--- a/DA_Capstone_Story.pptx
+++ b/DA_Capstone_Story.pptx
@@ -5,13 +5,13 @@
     <p:sldMasterId id="2147483660" r:id="rId4"/>
   </p:sldMasterIdLst>
   <p:notesMasterIdLst>
-    <p:notesMasterId r:id="rId25"/>
+    <p:notesMasterId r:id="rId28"/>
   </p:notesMasterIdLst>
   <p:sldIdLst>
     <p:sldId id="256" r:id="rId5"/>
     <p:sldId id="257" r:id="rId6"/>
-    <p:sldId id="260" r:id="rId7"/>
-    <p:sldId id="261" r:id="rId8"/>
+    <p:sldId id="261" r:id="rId7"/>
+    <p:sldId id="260" r:id="rId8"/>
     <p:sldId id="262" r:id="rId9"/>
     <p:sldId id="263" r:id="rId10"/>
     <p:sldId id="258" r:id="rId11"/>
@@ -26,8 +26,11 @@
     <p:sldId id="273" r:id="rId20"/>
     <p:sldId id="274" r:id="rId21"/>
     <p:sldId id="275" r:id="rId22"/>
-    <p:sldId id="276" r:id="rId23"/>
-    <p:sldId id="277" r:id="rId24"/>
+    <p:sldId id="280" r:id="rId23"/>
+    <p:sldId id="281" r:id="rId24"/>
+    <p:sldId id="282" r:id="rId25"/>
+    <p:sldId id="276" r:id="rId26"/>
+    <p:sldId id="277" r:id="rId27"/>
   </p:sldIdLst>
   <p:sldSz cx="12192000" cy="6858000"/>
   <p:notesSz cx="6858000" cy="1857375"/>
@@ -1399,7 +1402,7 @@
           <a:p>
             <a:fld id="{9E497948-54D2-43F8-9A63-A99FE3051738}" type="datetimeFigureOut">
               <a:rPr lang="en-US" smtClean="0"/>
-              <a:t>2/3/2023</a:t>
+              <a:t>2/5/2023</a:t>
             </a:fld>
             <a:endParaRPr lang="en-US"/>
           </a:p>
@@ -1815,7 +1818,7 @@
           <a:p>
             <a:fld id="{EEBDA0E2-FEBD-4B65-8F16-724CF984F377}" type="slidenum">
               <a:rPr lang="en-US" smtClean="0"/>
-              <a:t>3</a:t>
+              <a:t>4</a:t>
             </a:fld>
             <a:endParaRPr lang="en-US"/>
           </a:p>
@@ -4901,7 +4904,7 @@
           <a:lstStyle/>
           <a:p>
             <a:r>
-              <a:rPr lang="en-US" dirty="0">
+              <a:rPr lang="en-US" b="1" dirty="0">
                 <a:solidFill>
                   <a:srgbClr val="0E659B"/>
                 </a:solidFill>
@@ -4976,7 +4979,7 @@
               <a:buNone/>
             </a:pPr>
             <a:r>
-              <a:rPr lang="en-US" dirty="0">
+              <a:rPr lang="en-US" b="1" dirty="0">
                 <a:latin typeface="Calibri" panose="020F0502020204030204" pitchFamily="34" charset="0"/>
                 <a:cs typeface="Calibri" panose="020F0502020204030204" pitchFamily="34" charset="0"/>
               </a:rPr>
@@ -4988,11 +4991,11 @@
               <a:buNone/>
             </a:pPr>
             <a:r>
-              <a:rPr lang="en-US" dirty="0">
-                <a:latin typeface="Calibri" panose="020F0502020204030204" pitchFamily="34" charset="0"/>
-                <a:cs typeface="Calibri" panose="020F0502020204030204" pitchFamily="34" charset="0"/>
-              </a:rPr>
-              <a:t>2023-02-03</a:t>
+              <a:rPr lang="en-US" b="1" dirty="0">
+                <a:latin typeface="Calibri" panose="020F0502020204030204" pitchFamily="34" charset="0"/>
+                <a:cs typeface="Calibri" panose="020F0502020204030204" pitchFamily="34" charset="0"/>
+              </a:rPr>
+              <a:t>2023-02-05</a:t>
             </a:r>
           </a:p>
         </p:txBody>
@@ -6171,7 +6174,10 @@
           <a:lstStyle/>
           <a:p>
             <a:r>
-              <a:rPr lang="en-US" dirty="0"/>
+              <a:rPr lang="en-US" b="1" dirty="0">
+                <a:latin typeface="Calibri" panose="020F0502020204030204" pitchFamily="34" charset="0"/>
+                <a:cs typeface="Calibri" panose="020F0502020204030204" pitchFamily="34" charset="0"/>
+              </a:rPr>
               <a:t>DATABASE TRENDS - FINDINGS &amp; IMPLICATIONS</a:t>
             </a:r>
           </a:p>
@@ -6195,44 +6201,67 @@
         </p:nvSpPr>
         <p:spPr>
           <a:xfrm>
-            <a:off x="813816" y="1825625"/>
-            <a:ext cx="5181600" cy="4351338"/>
+            <a:off x="838200" y="1555994"/>
+            <a:ext cx="5282184" cy="4575174"/>
           </a:xfrm>
+          <a:solidFill>
+            <a:schemeClr val="accent2">
+              <a:lumMod val="20000"/>
+              <a:lumOff val="80000"/>
+            </a:schemeClr>
+          </a:solidFill>
         </p:spPr>
         <p:txBody>
-          <a:bodyPr/>
+          <a:bodyPr>
+            <a:normAutofit fontScale="62500" lnSpcReduction="20000"/>
+          </a:bodyPr>
           <a:lstStyle/>
           <a:p>
             <a:pPr marL="0" indent="0">
               <a:buNone/>
             </a:pPr>
             <a:r>
-              <a:rPr lang="en-US" dirty="0"/>
-              <a:t>Findings</a:t>
+              <a:rPr lang="en-US" sz="4500" b="1" u="sng" dirty="0">
+                <a:latin typeface="Calibri" panose="020F0502020204030204" pitchFamily="34" charset="0"/>
+                <a:cs typeface="Calibri" panose="020F0502020204030204" pitchFamily="34" charset="0"/>
+              </a:rPr>
+              <a:t>Findings:</a:t>
             </a:r>
           </a:p>
           <a:p>
             <a:pPr marL="0" indent="0">
               <a:buNone/>
             </a:pPr>
-            <a:endParaRPr lang="en-US" dirty="0"/>
-          </a:p>
-          <a:p>
-            <a:r>
-              <a:rPr lang="en-US" dirty="0"/>
-              <a:t>Finding 1</a:t>
-            </a:r>
-          </a:p>
-          <a:p>
-            <a:r>
-              <a:rPr lang="en-US" dirty="0"/>
-              <a:t>Finding 2</a:t>
-            </a:r>
-          </a:p>
-          <a:p>
-            <a:r>
-              <a:rPr lang="en-US" dirty="0"/>
-              <a:t>Finding 3</a:t>
+            <a:endParaRPr lang="en-US" dirty="0">
+              <a:latin typeface="Calibri" panose="020F0502020204030204" pitchFamily="34" charset="0"/>
+              <a:cs typeface="Calibri" panose="020F0502020204030204" pitchFamily="34" charset="0"/>
+            </a:endParaRPr>
+          </a:p>
+          <a:p>
+            <a:r>
+              <a:rPr lang="en-US" sz="3800" dirty="0">
+                <a:latin typeface="Calibri" panose="020F0502020204030204" pitchFamily="34" charset="0"/>
+                <a:cs typeface="Calibri" panose="020F0502020204030204" pitchFamily="34" charset="0"/>
+              </a:rPr>
+              <a:t>MySQL, PostgreSQL, and MS SQL Server are the top 3 programming languages to store and process information in a relational database.</a:t>
+            </a:r>
+          </a:p>
+          <a:p>
+            <a:r>
+              <a:rPr lang="en-US" sz="3800" dirty="0">
+                <a:latin typeface="Calibri" panose="020F0502020204030204" pitchFamily="34" charset="0"/>
+                <a:cs typeface="Calibri" panose="020F0502020204030204" pitchFamily="34" charset="0"/>
+              </a:rPr>
+              <a:t>MongoDB is among 5 database management programs. It stays popular as an alternative to traditional relational databases.</a:t>
+            </a:r>
+          </a:p>
+          <a:p>
+            <a:r>
+              <a:rPr lang="en-US" sz="3800" dirty="0">
+                <a:latin typeface="Calibri" panose="020F0502020204030204" pitchFamily="34" charset="0"/>
+                <a:cs typeface="Calibri" panose="020F0502020204030204" pitchFamily="34" charset="0"/>
+              </a:rPr>
+              <a:t>SQLite stays popular as a C-language library that implements a small, fast, high-reliability SQL database engine.</a:t>
             </a:r>
           </a:p>
         </p:txBody>
@@ -6253,41 +6282,69 @@
             <p:ph sz="half" idx="2"/>
           </p:nvPr>
         </p:nvSpPr>
-        <p:spPr/>
+        <p:spPr>
+          <a:xfrm>
+            <a:off x="6198107" y="1555993"/>
+            <a:ext cx="5818047" cy="4575175"/>
+          </a:xfrm>
+          <a:solidFill>
+            <a:schemeClr val="accent3">
+              <a:lumMod val="20000"/>
+              <a:lumOff val="80000"/>
+            </a:schemeClr>
+          </a:solidFill>
+        </p:spPr>
         <p:txBody>
-          <a:bodyPr/>
+          <a:bodyPr>
+            <a:normAutofit fontScale="62500" lnSpcReduction="20000"/>
+          </a:bodyPr>
           <a:lstStyle/>
           <a:p>
             <a:pPr marL="0" indent="0">
               <a:buNone/>
             </a:pPr>
             <a:r>
-              <a:rPr lang="en-US" dirty="0"/>
-              <a:t>Implications</a:t>
+              <a:rPr lang="en-US" sz="4500" b="1" u="sng" dirty="0">
+                <a:latin typeface="Calibri" panose="020F0502020204030204" pitchFamily="34" charset="0"/>
+                <a:cs typeface="Calibri" panose="020F0502020204030204" pitchFamily="34" charset="0"/>
+              </a:rPr>
+              <a:t>Implications:</a:t>
             </a:r>
           </a:p>
           <a:p>
             <a:pPr marL="0" indent="0">
               <a:buNone/>
             </a:pPr>
-            <a:endParaRPr lang="en-US" dirty="0"/>
-          </a:p>
-          <a:p>
-            <a:r>
-              <a:rPr lang="en-US" dirty="0"/>
-              <a:t>Implication 1</a:t>
-            </a:r>
-          </a:p>
-          <a:p>
-            <a:r>
-              <a:rPr lang="en-US" dirty="0"/>
-              <a:t>Implication 2</a:t>
-            </a:r>
-          </a:p>
-          <a:p>
-            <a:r>
-              <a:rPr lang="en-US" dirty="0"/>
-              <a:t>Implication 3</a:t>
+            <a:endParaRPr lang="en-US" dirty="0">
+              <a:latin typeface="Calibri" panose="020F0502020204030204" pitchFamily="34" charset="0"/>
+              <a:cs typeface="Calibri" panose="020F0502020204030204" pitchFamily="34" charset="0"/>
+            </a:endParaRPr>
+          </a:p>
+          <a:p>
+            <a:r>
+              <a:rPr lang="en-US" sz="3800" dirty="0">
+                <a:latin typeface="Calibri" panose="020F0502020204030204" pitchFamily="34" charset="0"/>
+                <a:cs typeface="Calibri" panose="020F0502020204030204" pitchFamily="34" charset="0"/>
+              </a:rPr>
+              <a:t>PostgreSQL has become the most popular database management program as an object-relational database to manage more complex data types.</a:t>
+            </a:r>
+          </a:p>
+          <a:p>
+            <a:r>
+              <a:rPr lang="en-US" sz="3800" dirty="0">
+                <a:latin typeface="Calibri" panose="020F0502020204030204" pitchFamily="34" charset="0"/>
+                <a:cs typeface="Calibri" panose="020F0502020204030204" pitchFamily="34" charset="0"/>
+              </a:rPr>
+              <a:t>MongoDB has gained more popularity, as a non-relational document database that provides support for JSON-like storage.</a:t>
+            </a:r>
+          </a:p>
+          <a:p>
+            <a:r>
+              <a:rPr lang="en-US" sz="3800" dirty="0">
+                <a:latin typeface="Calibri" panose="020F0502020204030204" pitchFamily="34" charset="0"/>
+                <a:cs typeface="Calibri" panose="020F0502020204030204" pitchFamily="34" charset="0"/>
+              </a:rPr>
+              <a:t>There is a growing demand to manage unstructured data and document-oriented databases like Elasticsearch get more popular.</a:t>
             </a:r>
           </a:p>
         </p:txBody>
@@ -6352,7 +6409,7 @@
           <a:p>
             <a:r>
               <a:rPr lang="en-US" dirty="0"/>
-              <a:t>DASHBOARD</a:t>
+              <a:t>DASHBOARDS LINKS  </a:t>
             </a:r>
           </a:p>
         </p:txBody>
@@ -6375,13 +6432,13 @@
         </p:nvSpPr>
         <p:spPr>
           <a:xfrm>
-            <a:off x="4285075" y="3142210"/>
-            <a:ext cx="7068725" cy="2569239"/>
+            <a:off x="4514825" y="1428751"/>
+            <a:ext cx="6838975" cy="4376737"/>
           </a:xfrm>
         </p:spPr>
         <p:txBody>
           <a:bodyPr>
-            <a:normAutofit/>
+            <a:noAutofit/>
           </a:bodyPr>
           <a:lstStyle/>
           <a:p>
@@ -6389,9 +6446,141 @@
               <a:buNone/>
             </a:pPr>
             <a:r>
-              <a:rPr lang="en-US" sz="2200" dirty="0"/>
-              <a:t>&lt;The permanent link of the read-only view of the Cognos dashboard goes here.&gt;</a:t>
-            </a:r>
+              <a:rPr lang="en-CA" sz="2000" b="1" dirty="0">
+                <a:solidFill>
+                  <a:srgbClr val="1F1F1F"/>
+                </a:solidFill>
+                <a:latin typeface="Calibri" panose="020F0502020204030204" pitchFamily="34" charset="0"/>
+                <a:cs typeface="Calibri" panose="020F0502020204030204" pitchFamily="34" charset="0"/>
+              </a:rPr>
+              <a:t>Current Technology Trends Dashboard:</a:t>
+            </a:r>
+          </a:p>
+          <a:p>
+            <a:pPr marL="0" indent="0">
+              <a:buNone/>
+            </a:pPr>
+            <a:r>
+              <a:rPr lang="en-CA" sz="1800" b="0" i="0" dirty="0">
+                <a:solidFill>
+                  <a:srgbClr val="1F1F1F"/>
+                </a:solidFill>
+                <a:effectLst/>
+                <a:latin typeface="Calibri" panose="020F0502020204030204" pitchFamily="34" charset="0"/>
+                <a:cs typeface="Calibri" panose="020F0502020204030204" pitchFamily="34" charset="0"/>
+                <a:hlinkClick r:id="rId2"/>
+              </a:rPr>
+              <a:t>https://dataplatform.cloud.ibm.com/dashboards/4757e074-977b-42e6-812c-875bc1be35dd/view/4169f01c2cea3e914be2dce407cd7d027e37245cb0bb840589877b490f367797f06e1597c8264d0bda165732fbbf4458c1</a:t>
+            </a:r>
+            <a:endParaRPr lang="en-CA" sz="1800" b="0" i="0" dirty="0">
+              <a:solidFill>
+                <a:srgbClr val="1F1F1F"/>
+              </a:solidFill>
+              <a:effectLst/>
+              <a:latin typeface="Calibri" panose="020F0502020204030204" pitchFamily="34" charset="0"/>
+              <a:cs typeface="Calibri" panose="020F0502020204030204" pitchFamily="34" charset="0"/>
+            </a:endParaRPr>
+          </a:p>
+          <a:p>
+            <a:pPr marL="0" indent="0">
+              <a:buNone/>
+            </a:pPr>
+            <a:r>
+              <a:rPr lang="en-CA" sz="2000" b="1" dirty="0">
+                <a:solidFill>
+                  <a:srgbClr val="1F1F1F"/>
+                </a:solidFill>
+                <a:latin typeface="Calibri" panose="020F0502020204030204" pitchFamily="34" charset="0"/>
+                <a:cs typeface="Calibri" panose="020F0502020204030204" pitchFamily="34" charset="0"/>
+              </a:rPr>
+              <a:t>Future Technology Trends Dashboard:</a:t>
+            </a:r>
+          </a:p>
+          <a:p>
+            <a:pPr marL="0" indent="0">
+              <a:buNone/>
+            </a:pPr>
+            <a:r>
+              <a:rPr lang="en-CA" sz="1800" b="0" i="0" dirty="0">
+                <a:solidFill>
+                  <a:srgbClr val="1F1F1F"/>
+                </a:solidFill>
+                <a:effectLst/>
+                <a:latin typeface="Calibri" panose="020F0502020204030204" pitchFamily="34" charset="0"/>
+                <a:cs typeface="Calibri" panose="020F0502020204030204" pitchFamily="34" charset="0"/>
+                <a:hlinkClick r:id="rId3"/>
+              </a:rPr>
+              <a:t>https://dataplatform.cloud.ibm.com/dashboards/3151b53b-40ec-4529-98b1-8fa1d17e1123/view/610ac2031f9d2ec80db6f6e407cd7d027e37245cb0bb840589877b490f367797f06e1597c8264d0bda165732fbbf4458c1</a:t>
+            </a:r>
+            <a:endParaRPr lang="en-CA" sz="1800" b="0" i="0" dirty="0">
+              <a:solidFill>
+                <a:srgbClr val="1F1F1F"/>
+              </a:solidFill>
+              <a:effectLst/>
+              <a:latin typeface="Calibri" panose="020F0502020204030204" pitchFamily="34" charset="0"/>
+              <a:cs typeface="Calibri" panose="020F0502020204030204" pitchFamily="34" charset="0"/>
+            </a:endParaRPr>
+          </a:p>
+          <a:p>
+            <a:pPr marL="0" indent="0">
+              <a:buNone/>
+            </a:pPr>
+            <a:r>
+              <a:rPr lang="en-CA" sz="2000" b="1" dirty="0">
+                <a:solidFill>
+                  <a:srgbClr val="1F1F1F"/>
+                </a:solidFill>
+                <a:latin typeface="Calibri" panose="020F0502020204030204" pitchFamily="34" charset="0"/>
+                <a:cs typeface="Calibri" panose="020F0502020204030204" pitchFamily="34" charset="0"/>
+              </a:rPr>
+              <a:t>Demographics Dashboard:</a:t>
+            </a:r>
+          </a:p>
+          <a:p>
+            <a:pPr marL="0" indent="0">
+              <a:buNone/>
+            </a:pPr>
+            <a:r>
+              <a:rPr lang="en-CA" sz="1800" b="0" i="0" dirty="0">
+                <a:solidFill>
+                  <a:srgbClr val="1F1F1F"/>
+                </a:solidFill>
+                <a:effectLst/>
+                <a:latin typeface="Calibri" panose="020F0502020204030204" pitchFamily="34" charset="0"/>
+                <a:cs typeface="Calibri" panose="020F0502020204030204" pitchFamily="34" charset="0"/>
+                <a:hlinkClick r:id="rId4"/>
+              </a:rPr>
+              <a:t>https://dataplatform.cloud.ibm.com/dashboards/ba8e311d-ef43-41a6-9d2f-4857a15e5636/view/4761ca2615ed62e563b5c4e407cd7d027e37245cb0bb840589877b490f367797f06e1597c8264d0bda165732fbbf4458c1</a:t>
+            </a:r>
+            <a:endParaRPr lang="en-CA" sz="1800" b="0" i="0" dirty="0">
+              <a:solidFill>
+                <a:srgbClr val="1F1F1F"/>
+              </a:solidFill>
+              <a:effectLst/>
+              <a:latin typeface="Calibri" panose="020F0502020204030204" pitchFamily="34" charset="0"/>
+              <a:cs typeface="Calibri" panose="020F0502020204030204" pitchFamily="34" charset="0"/>
+            </a:endParaRPr>
+          </a:p>
+          <a:p>
+            <a:pPr marL="0" indent="0">
+              <a:buNone/>
+            </a:pPr>
+            <a:endParaRPr lang="en-CA" sz="1800" dirty="0">
+              <a:solidFill>
+                <a:srgbClr val="1F1F1F"/>
+              </a:solidFill>
+              <a:latin typeface="Calibri" panose="020F0502020204030204" pitchFamily="34" charset="0"/>
+              <a:cs typeface="Calibri" panose="020F0502020204030204" pitchFamily="34" charset="0"/>
+            </a:endParaRPr>
+          </a:p>
+          <a:p>
+            <a:pPr marL="0" indent="0">
+              <a:buNone/>
+            </a:pPr>
+            <a:endParaRPr lang="en-US" sz="1800" dirty="0">
+              <a:latin typeface="Calibri" panose="020F0502020204030204" pitchFamily="34" charset="0"/>
+              <a:cs typeface="Calibri" panose="020F0502020204030204" pitchFamily="34" charset="0"/>
+            </a:endParaRPr>
           </a:p>
         </p:txBody>
       </p:sp>
@@ -6410,7 +6599,7 @@
           <p:nvPr/>
         </p:nvPicPr>
         <p:blipFill>
-          <a:blip r:embed="rId2"/>
+          <a:blip r:embed="rId5"/>
           <a:stretch>
             <a:fillRect/>
           </a:stretch>
@@ -6473,8 +6662,8 @@
         </p:nvSpPr>
         <p:spPr>
           <a:xfrm>
-            <a:off x="838200" y="365125"/>
-            <a:ext cx="10515600" cy="1325563"/>
+            <a:off x="838199" y="365125"/>
+            <a:ext cx="10677525" cy="1325563"/>
           </a:xfrm>
         </p:spPr>
         <p:txBody>
@@ -6484,60 +6673,45 @@
           <a:lstStyle/>
           <a:p>
             <a:r>
-              <a:rPr lang="en-US" dirty="0"/>
-              <a:t>DASHBOARD TAB 1</a:t>
+              <a:rPr lang="en-US" b="1" dirty="0">
+                <a:latin typeface="Calibri" panose="020F0502020204030204" pitchFamily="34" charset="0"/>
+                <a:cs typeface="Calibri" panose="020F0502020204030204" pitchFamily="34" charset="0"/>
+              </a:rPr>
+              <a:t>DASHBOARD 1 – CURRENT TECHNOLOGY TRENDS</a:t>
             </a:r>
           </a:p>
         </p:txBody>
       </p:sp>
-      <p:sp>
-        <p:nvSpPr>
-          <p:cNvPr id="8" name="Content Placeholder 2">
+      <p:pic>
+        <p:nvPicPr>
+          <p:cNvPr id="4" name="Picture 3">
             <a:extLst>
               <a:ext uri="{FF2B5EF4-FFF2-40B4-BE49-F238E27FC236}">
-                <a16:creationId xmlns:a16="http://schemas.microsoft.com/office/drawing/2014/main" id="{EFCC0E64-0E5B-4BA1-BC72-30FA1DE96F29}"/>
+                <a16:creationId xmlns:a16="http://schemas.microsoft.com/office/drawing/2014/main" id="{5625801D-94C9-5DD5-C266-B5EF8FE4868B}"/>
               </a:ext>
             </a:extLst>
           </p:cNvPr>
-          <p:cNvSpPr>
-            <a:spLocks noGrp="1"/>
-          </p:cNvSpPr>
-          <p:nvPr>
-            <p:ph idx="1"/>
-          </p:nvPr>
-        </p:nvSpPr>
+          <p:cNvPicPr>
+            <a:picLocks noChangeAspect="1"/>
+          </p:cNvPicPr>
+          <p:nvPr/>
+        </p:nvPicPr>
+        <p:blipFill>
+          <a:blip r:embed="rId2"/>
+          <a:stretch>
+            <a:fillRect/>
+          </a:stretch>
+        </p:blipFill>
         <p:spPr>
           <a:xfrm>
-            <a:off x="838200" y="1690688"/>
-            <a:ext cx="10515600" cy="4351338"/>
+            <a:off x="1524000" y="1372437"/>
+            <a:ext cx="9144000" cy="4983983"/>
           </a:xfrm>
+          <a:prstGeom prst="rect">
+            <a:avLst/>
+          </a:prstGeom>
         </p:spPr>
-        <p:txBody>
-          <a:bodyPr/>
-          <a:lstStyle/>
-          <a:p>
-            <a:pPr marL="0" indent="0">
-              <a:buNone/>
-            </a:pPr>
-            <a:endParaRPr lang="en-US" dirty="0"/>
-          </a:p>
-          <a:p>
-            <a:pPr marL="0" indent="0">
-              <a:buNone/>
-            </a:pPr>
-            <a:endParaRPr lang="en-US" dirty="0"/>
-          </a:p>
-          <a:p>
-            <a:pPr marL="0" indent="0">
-              <a:buNone/>
-            </a:pPr>
-            <a:r>
-              <a:rPr lang="en-US" dirty="0"/>
-              <a:t>Screenshot of dashboard tab 1 goes here</a:t>
-            </a:r>
-          </a:p>
-        </p:txBody>
-      </p:sp>
+      </p:pic>
     </p:spTree>
     <p:extLst>
       <p:ext uri="{BB962C8B-B14F-4D97-AF65-F5344CB8AC3E}">
@@ -6570,10 +6744,10 @@
       </p:grpSpPr>
       <p:sp>
         <p:nvSpPr>
-          <p:cNvPr id="2" name="Title 1">
+          <p:cNvPr id="6" name="Title 5">
             <a:extLst>
               <a:ext uri="{FF2B5EF4-FFF2-40B4-BE49-F238E27FC236}">
-                <a16:creationId xmlns:a16="http://schemas.microsoft.com/office/drawing/2014/main" id="{2873BEC0-94F5-4226-A9E7-51B66045EF49}"/>
+                <a16:creationId xmlns:a16="http://schemas.microsoft.com/office/drawing/2014/main" id="{5A29058C-6C20-611D-FD52-F4AF8850B835}"/>
               </a:ext>
             </a:extLst>
           </p:cNvPr>
@@ -6584,73 +6758,52 @@
             <p:ph type="title"/>
           </p:nvPr>
         </p:nvSpPr>
-        <p:spPr>
-          <a:xfrm>
-            <a:off x="838200" y="365125"/>
-            <a:ext cx="10515600" cy="1325563"/>
-          </a:xfrm>
-        </p:spPr>
+        <p:spPr/>
         <p:txBody>
-          <a:bodyPr anchor="ctr">
-            <a:normAutofit/>
-          </a:bodyPr>
+          <a:bodyPr/>
           <a:lstStyle/>
           <a:p>
             <a:r>
-              <a:rPr lang="en-US" dirty="0"/>
-              <a:t>DASHBOARD TAB 2</a:t>
-            </a:r>
+              <a:rPr lang="en-US" b="1" dirty="0">
+                <a:latin typeface="Calibri" panose="020F0502020204030204" pitchFamily="34" charset="0"/>
+                <a:cs typeface="Calibri" panose="020F0502020204030204" pitchFamily="34" charset="0"/>
+              </a:rPr>
+              <a:t>DASHBOARD 2 – FUTURE TECHNOLOGY TRENDS</a:t>
+            </a:r>
+            <a:endParaRPr lang="en-CA" dirty="0"/>
           </a:p>
         </p:txBody>
       </p:sp>
-      <p:sp>
-        <p:nvSpPr>
-          <p:cNvPr id="8" name="Content Placeholder 2">
+      <p:pic>
+        <p:nvPicPr>
+          <p:cNvPr id="3" name="Picture 2">
             <a:extLst>
               <a:ext uri="{FF2B5EF4-FFF2-40B4-BE49-F238E27FC236}">
-                <a16:creationId xmlns:a16="http://schemas.microsoft.com/office/drawing/2014/main" id="{EFCC0E64-0E5B-4BA1-BC72-30FA1DE96F29}"/>
+                <a16:creationId xmlns:a16="http://schemas.microsoft.com/office/drawing/2014/main" id="{F601EA30-A493-AE9A-BE18-B810B736FDF7}"/>
               </a:ext>
             </a:extLst>
           </p:cNvPr>
-          <p:cNvSpPr>
-            <a:spLocks noGrp="1"/>
-          </p:cNvSpPr>
-          <p:nvPr>
-            <p:ph idx="1"/>
-          </p:nvPr>
-        </p:nvSpPr>
+          <p:cNvPicPr>
+            <a:picLocks noChangeAspect="1"/>
+          </p:cNvPicPr>
+          <p:nvPr/>
+        </p:nvPicPr>
+        <p:blipFill>
+          <a:blip r:embed="rId2"/>
+          <a:stretch>
+            <a:fillRect/>
+          </a:stretch>
+        </p:blipFill>
         <p:spPr>
           <a:xfrm>
-            <a:off x="838200" y="1690688"/>
-            <a:ext cx="10515600" cy="4351338"/>
+            <a:off x="1592140" y="1335150"/>
+            <a:ext cx="9005522" cy="4970099"/>
           </a:xfrm>
+          <a:prstGeom prst="rect">
+            <a:avLst/>
+          </a:prstGeom>
         </p:spPr>
-        <p:txBody>
-          <a:bodyPr/>
-          <a:lstStyle/>
-          <a:p>
-            <a:pPr marL="0" indent="0">
-              <a:buNone/>
-            </a:pPr>
-            <a:endParaRPr lang="en-US" dirty="0"/>
-          </a:p>
-          <a:p>
-            <a:pPr marL="0" indent="0">
-              <a:buNone/>
-            </a:pPr>
-            <a:endParaRPr lang="en-US" dirty="0"/>
-          </a:p>
-          <a:p>
-            <a:pPr marL="0" indent="0">
-              <a:buNone/>
-            </a:pPr>
-            <a:r>
-              <a:rPr lang="en-US" dirty="0"/>
-              <a:t>Screenshot of dashboard tab 2 goes here</a:t>
-            </a:r>
-          </a:p>
-        </p:txBody>
-      </p:sp>
+      </p:pic>
     </p:spTree>
     <p:extLst>
       <p:ext uri="{BB962C8B-B14F-4D97-AF65-F5344CB8AC3E}">
@@ -6710,60 +6863,45 @@
           <a:lstStyle/>
           <a:p>
             <a:r>
-              <a:rPr lang="en-US" dirty="0"/>
-              <a:t>DASHBOARD TAB 3</a:t>
+              <a:rPr lang="en-US" b="1" dirty="0">
+                <a:latin typeface="Calibri" panose="020F0502020204030204" pitchFamily="34" charset="0"/>
+                <a:cs typeface="Calibri" panose="020F0502020204030204" pitchFamily="34" charset="0"/>
+              </a:rPr>
+              <a:t>DASHBOARD 3 – DEMOGRAPHICS TRENDS</a:t>
             </a:r>
           </a:p>
         </p:txBody>
       </p:sp>
-      <p:sp>
-        <p:nvSpPr>
-          <p:cNvPr id="8" name="Content Placeholder 2">
+      <p:pic>
+        <p:nvPicPr>
+          <p:cNvPr id="4" name="Picture 3">
             <a:extLst>
               <a:ext uri="{FF2B5EF4-FFF2-40B4-BE49-F238E27FC236}">
-                <a16:creationId xmlns:a16="http://schemas.microsoft.com/office/drawing/2014/main" id="{EFCC0E64-0E5B-4BA1-BC72-30FA1DE96F29}"/>
+                <a16:creationId xmlns:a16="http://schemas.microsoft.com/office/drawing/2014/main" id="{6790D882-91B0-878B-1675-5F72A0E24DC2}"/>
               </a:ext>
             </a:extLst>
           </p:cNvPr>
-          <p:cNvSpPr>
-            <a:spLocks noGrp="1"/>
-          </p:cNvSpPr>
-          <p:nvPr>
-            <p:ph idx="1"/>
-          </p:nvPr>
-        </p:nvSpPr>
+          <p:cNvPicPr>
+            <a:picLocks noChangeAspect="1"/>
+          </p:cNvPicPr>
+          <p:nvPr/>
+        </p:nvPicPr>
+        <p:blipFill>
+          <a:blip r:embed="rId2"/>
+          <a:stretch>
+            <a:fillRect/>
+          </a:stretch>
+        </p:blipFill>
         <p:spPr>
           <a:xfrm>
-            <a:off x="838200" y="1690688"/>
-            <a:ext cx="10515600" cy="4351338"/>
+            <a:off x="1246861" y="1368668"/>
+            <a:ext cx="8858431" cy="4885474"/>
           </a:xfrm>
+          <a:prstGeom prst="rect">
+            <a:avLst/>
+          </a:prstGeom>
         </p:spPr>
-        <p:txBody>
-          <a:bodyPr/>
-          <a:lstStyle/>
-          <a:p>
-            <a:pPr marL="0" indent="0">
-              <a:buNone/>
-            </a:pPr>
-            <a:endParaRPr lang="en-US" dirty="0"/>
-          </a:p>
-          <a:p>
-            <a:pPr marL="0" indent="0">
-              <a:buNone/>
-            </a:pPr>
-            <a:endParaRPr lang="en-US" dirty="0"/>
-          </a:p>
-          <a:p>
-            <a:pPr marL="0" indent="0">
-              <a:buNone/>
-            </a:pPr>
-            <a:r>
-              <a:rPr lang="en-US" dirty="0"/>
-              <a:t>Screenshot of dashboard tab 3 goes here</a:t>
-            </a:r>
-          </a:p>
-        </p:txBody>
-      </p:sp>
+      </p:pic>
     </p:spTree>
     <p:extLst>
       <p:ext uri="{BB962C8B-B14F-4D97-AF65-F5344CB8AC3E}">
@@ -6823,7 +6961,10 @@
           <a:lstStyle/>
           <a:p>
             <a:r>
-              <a:rPr lang="en-US" dirty="0"/>
+              <a:rPr lang="en-US" b="1" dirty="0">
+                <a:latin typeface="Calibri" panose="020F0502020204030204" pitchFamily="34" charset="0"/>
+                <a:cs typeface="Calibri" panose="020F0502020204030204" pitchFamily="34" charset="0"/>
+              </a:rPr>
               <a:t>DISCUSSION</a:t>
             </a:r>
           </a:p>
@@ -6880,15 +7021,65 @@
         </p:nvSpPr>
         <p:spPr>
           <a:xfrm>
-            <a:off x="6172200" y="1825625"/>
-            <a:ext cx="5181600" cy="4351338"/>
+            <a:off x="5884984" y="1519875"/>
+            <a:ext cx="5615354" cy="4657088"/>
           </a:xfrm>
         </p:spPr>
         <p:txBody>
-          <a:bodyPr/>
+          <a:bodyPr>
+            <a:normAutofit fontScale="92500" lnSpcReduction="10000"/>
+          </a:bodyPr>
           <a:lstStyle/>
           <a:p>
-            <a:endParaRPr lang="en-US" dirty="0"/>
+            <a:r>
+              <a:rPr lang="en-US" dirty="0">
+                <a:latin typeface="Calibri" panose="020F0502020204030204" pitchFamily="34" charset="0"/>
+                <a:cs typeface="Calibri" panose="020F0502020204030204" pitchFamily="34" charset="0"/>
+              </a:rPr>
+              <a:t>Current software development technologies in high demand.</a:t>
+            </a:r>
+          </a:p>
+          <a:p>
+            <a:r>
+              <a:rPr lang="en-US" dirty="0">
+                <a:latin typeface="Calibri" panose="020F0502020204030204" pitchFamily="34" charset="0"/>
+                <a:cs typeface="Calibri" panose="020F0502020204030204" pitchFamily="34" charset="0"/>
+              </a:rPr>
+              <a:t>The growing popularity of some modern programming languages and frameworks for web development. </a:t>
+            </a:r>
+          </a:p>
+          <a:p>
+            <a:r>
+              <a:rPr lang="en-US" dirty="0">
+                <a:latin typeface="Calibri" panose="020F0502020204030204" pitchFamily="34" charset="0"/>
+                <a:cs typeface="Calibri" panose="020F0502020204030204" pitchFamily="34" charset="0"/>
+              </a:rPr>
+              <a:t>New technologies skills to learn in the nearest future for software developers and database administrators. </a:t>
+            </a:r>
+          </a:p>
+          <a:p>
+            <a:r>
+              <a:rPr lang="en-US" dirty="0">
+                <a:latin typeface="Calibri" panose="020F0502020204030204" pitchFamily="34" charset="0"/>
+                <a:cs typeface="Calibri" panose="020F0502020204030204" pitchFamily="34" charset="0"/>
+              </a:rPr>
+              <a:t>Software developer’s demographic in terms of age, gender, and education.</a:t>
+            </a:r>
+          </a:p>
+          <a:p>
+            <a:r>
+              <a:rPr lang="en-US" dirty="0">
+                <a:latin typeface="Calibri" panose="020F0502020204030204" pitchFamily="34" charset="0"/>
+                <a:cs typeface="Calibri" panose="020F0502020204030204" pitchFamily="34" charset="0"/>
+              </a:rPr>
+              <a:t>Today’s expectations of compensation for full-stack software developers.</a:t>
+            </a:r>
+          </a:p>
+          <a:p>
+            <a:endParaRPr lang="en-US" dirty="0">
+              <a:latin typeface="Calibri" panose="020F0502020204030204" pitchFamily="34" charset="0"/>
+              <a:cs typeface="Calibri" panose="020F0502020204030204" pitchFamily="34" charset="0"/>
+            </a:endParaRPr>
           </a:p>
         </p:txBody>
       </p:sp>
@@ -6944,7 +7135,10 @@
           <a:lstStyle/>
           <a:p>
             <a:r>
-              <a:rPr lang="en-US" dirty="0"/>
+              <a:rPr lang="en-US" b="1" dirty="0">
+                <a:latin typeface="Calibri" panose="020F0502020204030204" pitchFamily="34" charset="0"/>
+                <a:cs typeface="Calibri" panose="020F0502020204030204" pitchFamily="34" charset="0"/>
+              </a:rPr>
               <a:t>OVERALL FINDINGS &amp; IMPLICATIONS</a:t>
             </a:r>
           </a:p>
@@ -6968,13 +7162,13 @@
         </p:nvSpPr>
         <p:spPr>
           <a:xfrm>
-            <a:off x="813816" y="1825625"/>
+            <a:off x="838200" y="1403594"/>
             <a:ext cx="5181600" cy="4351338"/>
           </a:xfrm>
         </p:spPr>
         <p:txBody>
           <a:bodyPr>
-            <a:normAutofit/>
+            <a:normAutofit fontScale="70000" lnSpcReduction="20000"/>
           </a:bodyPr>
           <a:lstStyle/>
           <a:p>
@@ -6982,33 +7176,72 @@
               <a:buNone/>
             </a:pPr>
             <a:r>
-              <a:rPr lang="en-US" dirty="0"/>
-              <a:t>Findings</a:t>
+              <a:rPr lang="en-US" sz="4600" b="1" u="sng" dirty="0">
+                <a:latin typeface="Calibri" panose="020F0502020204030204" pitchFamily="34" charset="0"/>
+                <a:cs typeface="Calibri" panose="020F0502020204030204" pitchFamily="34" charset="0"/>
+              </a:rPr>
+              <a:t>Findings:</a:t>
             </a:r>
           </a:p>
           <a:p>
             <a:pPr marL="0" indent="0">
               <a:buNone/>
             </a:pPr>
-            <a:endParaRPr lang="en-US" dirty="0"/>
-          </a:p>
-          <a:p>
-            <a:r>
-              <a:rPr lang="en-US" dirty="0"/>
-              <a:t>Finding 1</a:t>
-            </a:r>
-          </a:p>
-          <a:p>
-            <a:r>
-              <a:rPr lang="en-US" dirty="0"/>
-              <a:t>Finding 2</a:t>
-            </a:r>
-          </a:p>
-          <a:p>
-            <a:r>
-              <a:rPr lang="en-US" dirty="0"/>
-              <a:t>Finding 3</a:t>
-            </a:r>
+            <a:endParaRPr lang="en-US" dirty="0">
+              <a:latin typeface="Calibri" panose="020F0502020204030204" pitchFamily="34" charset="0"/>
+              <a:cs typeface="Calibri" panose="020F0502020204030204" pitchFamily="34" charset="0"/>
+            </a:endParaRPr>
+          </a:p>
+          <a:p>
+            <a:r>
+              <a:rPr lang="en-US" sz="3400" dirty="0">
+                <a:latin typeface="Calibri" panose="020F0502020204030204" pitchFamily="34" charset="0"/>
+                <a:cs typeface="Calibri" panose="020F0502020204030204" pitchFamily="34" charset="0"/>
+              </a:rPr>
+              <a:t>High demand for JavaScript and HTML/CSS programming languages. </a:t>
+            </a:r>
+          </a:p>
+          <a:p>
+            <a:r>
+              <a:rPr lang="en-US" sz="3400" dirty="0">
+                <a:latin typeface="Calibri" panose="020F0502020204030204" pitchFamily="34" charset="0"/>
+                <a:cs typeface="Calibri" panose="020F0502020204030204" pitchFamily="34" charset="0"/>
+              </a:rPr>
+              <a:t>Growing popularity in Python and Typescript.</a:t>
+            </a:r>
+          </a:p>
+          <a:p>
+            <a:r>
+              <a:rPr lang="en-US" sz="3400" dirty="0">
+                <a:latin typeface="Calibri" panose="020F0502020204030204" pitchFamily="34" charset="0"/>
+                <a:cs typeface="Calibri" panose="020F0502020204030204" pitchFamily="34" charset="0"/>
+              </a:rPr>
+              <a:t>High interest in SQL database management programs with MySQL at the top. </a:t>
+            </a:r>
+          </a:p>
+          <a:p>
+            <a:r>
+              <a:rPr lang="en-US" sz="3400" dirty="0">
+                <a:latin typeface="Calibri" panose="020F0502020204030204" pitchFamily="34" charset="0"/>
+                <a:cs typeface="Calibri" panose="020F0502020204030204" pitchFamily="34" charset="0"/>
+              </a:rPr>
+              <a:t>MongoDB stays a great alternative to traditional relational databases. </a:t>
+            </a:r>
+          </a:p>
+          <a:p>
+            <a:r>
+              <a:rPr lang="en-US" sz="3400" dirty="0">
+                <a:latin typeface="Calibri" panose="020F0502020204030204" pitchFamily="34" charset="0"/>
+                <a:cs typeface="Calibri" panose="020F0502020204030204" pitchFamily="34" charset="0"/>
+              </a:rPr>
+              <a:t>Linux and Docker are the most popular platforms</a:t>
+            </a:r>
+          </a:p>
+          <a:p>
+            <a:endParaRPr lang="en-US" dirty="0">
+              <a:latin typeface="Calibri" panose="020F0502020204030204" pitchFamily="34" charset="0"/>
+              <a:cs typeface="Calibri" panose="020F0502020204030204" pitchFamily="34" charset="0"/>
+            </a:endParaRPr>
           </a:p>
         </p:txBody>
       </p:sp>
@@ -7028,10 +7261,15 @@
             <p:ph sz="half" idx="2"/>
           </p:nvPr>
         </p:nvSpPr>
-        <p:spPr/>
+        <p:spPr>
+          <a:xfrm>
+            <a:off x="6196586" y="1403594"/>
+            <a:ext cx="5181600" cy="4351338"/>
+          </a:xfrm>
+        </p:spPr>
         <p:txBody>
           <a:bodyPr>
-            <a:normAutofit/>
+            <a:noAutofit/>
           </a:bodyPr>
           <a:lstStyle/>
           <a:p>
@@ -7039,32 +7277,47 @@
               <a:buNone/>
             </a:pPr>
             <a:r>
-              <a:rPr lang="en-US" dirty="0"/>
-              <a:t>Implications</a:t>
-            </a:r>
-          </a:p>
-          <a:p>
-            <a:pPr marL="0" indent="0">
-              <a:buNone/>
-            </a:pPr>
-            <a:endParaRPr lang="en-US" dirty="0"/>
-          </a:p>
-          <a:p>
-            <a:r>
-              <a:rPr lang="en-US" dirty="0"/>
-              <a:t>Implication 1</a:t>
-            </a:r>
-          </a:p>
-          <a:p>
-            <a:r>
-              <a:rPr lang="en-US" dirty="0"/>
-              <a:t>Implication 2</a:t>
-            </a:r>
-          </a:p>
-          <a:p>
-            <a:r>
-              <a:rPr lang="en-US" dirty="0"/>
-              <a:t>Implication 3</a:t>
+              <a:rPr lang="en-US" sz="3200" b="1" u="sng" dirty="0">
+                <a:latin typeface="Calibri" panose="020F0502020204030204" pitchFamily="34" charset="0"/>
+                <a:cs typeface="Calibri" panose="020F0502020204030204" pitchFamily="34" charset="0"/>
+              </a:rPr>
+              <a:t>Implications:</a:t>
+            </a:r>
+          </a:p>
+          <a:p>
+            <a:r>
+              <a:rPr lang="en-US" sz="2400" dirty="0">
+                <a:latin typeface="Calibri" panose="020F0502020204030204" pitchFamily="34" charset="0"/>
+                <a:cs typeface="Calibri" panose="020F0502020204030204" pitchFamily="34" charset="0"/>
+              </a:rPr>
+              <a:t>Prospective software developers will have to learn new skills such as Typescript, MongoDB, and React.js.</a:t>
+            </a:r>
+          </a:p>
+          <a:p>
+            <a:r>
+              <a:rPr lang="en-US" sz="2400" dirty="0">
+                <a:latin typeface="Calibri" panose="020F0502020204030204" pitchFamily="34" charset="0"/>
+                <a:cs typeface="Calibri" panose="020F0502020204030204" pitchFamily="34" charset="0"/>
+              </a:rPr>
+              <a:t>Data analysts should become more proficient in Python programing language to handle a larger amount of data for business needs.</a:t>
+            </a:r>
+          </a:p>
+          <a:p>
+            <a:r>
+              <a:rPr lang="en-US" sz="2400" dirty="0">
+                <a:latin typeface="Calibri" panose="020F0502020204030204" pitchFamily="34" charset="0"/>
+                <a:cs typeface="Calibri" panose="020F0502020204030204" pitchFamily="34" charset="0"/>
+              </a:rPr>
+              <a:t>SQL, as well as No SQL competence, is a must for business analysts.</a:t>
+            </a:r>
+          </a:p>
+          <a:p>
+            <a:r>
+              <a:rPr lang="en-US" sz="2400" dirty="0">
+                <a:latin typeface="Calibri" panose="020F0502020204030204" pitchFamily="34" charset="0"/>
+                <a:cs typeface="Calibri" panose="020F0502020204030204" pitchFamily="34" charset="0"/>
+              </a:rPr>
+              <a:t>To adapt to changing technologies and reduce gender and education gaps. </a:t>
             </a:r>
           </a:p>
         </p:txBody>
@@ -7128,7 +7381,10 @@
           <a:lstStyle/>
           <a:p>
             <a:r>
-              <a:rPr lang="en-US" dirty="0"/>
+              <a:rPr lang="en-US" b="1" dirty="0">
+                <a:latin typeface="Calibri" panose="020F0502020204030204" pitchFamily="34" charset="0"/>
+                <a:cs typeface="Calibri" panose="020F0502020204030204" pitchFamily="34" charset="0"/>
+              </a:rPr>
               <a:t>CONCLUSION</a:t>
             </a:r>
           </a:p>
@@ -7152,35 +7408,46 @@
         </p:nvSpPr>
         <p:spPr>
           <a:xfrm>
-            <a:off x="4544291" y="1825625"/>
-            <a:ext cx="6809509" cy="4351338"/>
+            <a:off x="4782416" y="1596902"/>
+            <a:ext cx="6571384" cy="4545989"/>
           </a:xfrm>
+          <a:solidFill>
+            <a:schemeClr val="accent6">
+              <a:lumMod val="20000"/>
+              <a:lumOff val="80000"/>
+            </a:schemeClr>
+          </a:solidFill>
         </p:spPr>
         <p:txBody>
-          <a:bodyPr/>
+          <a:bodyPr>
+            <a:normAutofit lnSpcReduction="10000"/>
+          </a:bodyPr>
           <a:lstStyle/>
           <a:p>
             <a:r>
-              <a:rPr lang="en-US" dirty="0"/>
-              <a:t>Point 1</a:t>
-            </a:r>
-          </a:p>
-          <a:p>
-            <a:r>
-              <a:rPr lang="en-US" dirty="0"/>
-              <a:t>Point 2</a:t>
-            </a:r>
-          </a:p>
-          <a:p>
-            <a:r>
-              <a:rPr lang="en-US" dirty="0"/>
-              <a:t>Point 3</a:t>
-            </a:r>
-          </a:p>
-          <a:p>
-            <a:r>
-              <a:rPr lang="en-US" dirty="0"/>
-              <a:t>Point 4</a:t>
+              <a:rPr lang="en-US" b="1" dirty="0">
+                <a:latin typeface="Calibri" panose="020F0502020204030204" pitchFamily="34" charset="0"/>
+                <a:cs typeface="Calibri" panose="020F0502020204030204" pitchFamily="34" charset="0"/>
+              </a:rPr>
+              <a:t>This data analysis allowed us to get valuable insights from the software development technologies. </a:t>
+            </a:r>
+          </a:p>
+          <a:p>
+            <a:r>
+              <a:rPr lang="en-US" b="1" dirty="0">
+                <a:latin typeface="Calibri" panose="020F0502020204030204" pitchFamily="34" charset="0"/>
+                <a:cs typeface="Calibri" panose="020F0502020204030204" pitchFamily="34" charset="0"/>
+              </a:rPr>
+              <a:t>It helped to discover trends for future development of critical skills to stay competitive in the volatility of today’s market for software developers.</a:t>
+            </a:r>
+          </a:p>
+          <a:p>
+            <a:r>
+              <a:rPr lang="en-US" b="1" dirty="0">
+                <a:latin typeface="Calibri" panose="020F0502020204030204" pitchFamily="34" charset="0"/>
+                <a:cs typeface="Calibri" panose="020F0502020204030204" pitchFamily="34" charset="0"/>
+              </a:rPr>
+              <a:t>It provided more clear insights that could help businesses to target new talents, to solve educational complications, and to address gender issues.</a:t>
             </a:r>
           </a:p>
         </p:txBody>
@@ -7276,8 +7543,11 @@
           <a:lstStyle/>
           <a:p>
             <a:r>
-              <a:rPr lang="en-US" dirty="0"/>
-              <a:t>APPENDIX</a:t>
+              <a:rPr lang="en-US" b="1" dirty="0">
+                <a:latin typeface="Calibri" panose="020F0502020204030204" pitchFamily="34" charset="0"/>
+                <a:cs typeface="Calibri" panose="020F0502020204030204" pitchFamily="34" charset="0"/>
+              </a:rPr>
+              <a:t>APPENDIX 1 - 3</a:t>
             </a:r>
           </a:p>
         </p:txBody>
@@ -7300,17 +7570,58 @@
         </p:nvSpPr>
         <p:spPr>
           <a:xfrm>
-            <a:off x="4544291" y="1825625"/>
-            <a:ext cx="6809509" cy="4351338"/>
+            <a:off x="4667385" y="1690688"/>
+            <a:ext cx="6346446" cy="4351338"/>
           </a:xfrm>
+          <a:solidFill>
+            <a:schemeClr val="accent5">
+              <a:lumMod val="20000"/>
+              <a:lumOff val="80000"/>
+            </a:schemeClr>
+          </a:solidFill>
         </p:spPr>
         <p:txBody>
-          <a:bodyPr/>
+          <a:bodyPr>
+            <a:normAutofit/>
+          </a:bodyPr>
           <a:lstStyle/>
           <a:p>
             <a:r>
-              <a:rPr lang="en-US" dirty="0"/>
-              <a:t>Include any relevant additional charts, or tables that you may have created during the analysis phase.</a:t>
+              <a:rPr lang="en-US" sz="3600" b="1" dirty="0">
+                <a:latin typeface="Calibri" panose="020F0502020204030204" pitchFamily="34" charset="0"/>
+                <a:cs typeface="Calibri" panose="020F0502020204030204" pitchFamily="34" charset="0"/>
+              </a:rPr>
+              <a:t>Platform Technology Trends</a:t>
+            </a:r>
+          </a:p>
+          <a:p>
+            <a:endParaRPr lang="en-US" sz="3600" b="1" dirty="0">
+              <a:latin typeface="Calibri" panose="020F0502020204030204" pitchFamily="34" charset="0"/>
+              <a:cs typeface="Calibri" panose="020F0502020204030204" pitchFamily="34" charset="0"/>
+            </a:endParaRPr>
+          </a:p>
+          <a:p>
+            <a:r>
+              <a:rPr lang="en-US" sz="3600" b="1" dirty="0">
+                <a:latin typeface="Calibri" panose="020F0502020204030204" pitchFamily="34" charset="0"/>
+                <a:cs typeface="Calibri" panose="020F0502020204030204" pitchFamily="34" charset="0"/>
+              </a:rPr>
+              <a:t>Framework Technology Trends</a:t>
+            </a:r>
+          </a:p>
+          <a:p>
+            <a:endParaRPr lang="en-US" sz="3600" b="1" dirty="0">
+              <a:latin typeface="Calibri" panose="020F0502020204030204" pitchFamily="34" charset="0"/>
+              <a:cs typeface="Calibri" panose="020F0502020204030204" pitchFamily="34" charset="0"/>
+            </a:endParaRPr>
+          </a:p>
+          <a:p>
+            <a:r>
+              <a:rPr lang="en-US" sz="3600" b="1" dirty="0">
+                <a:latin typeface="Calibri" panose="020F0502020204030204" pitchFamily="34" charset="0"/>
+                <a:cs typeface="Calibri" panose="020F0502020204030204" pitchFamily="34" charset="0"/>
+              </a:rPr>
+              <a:t>Demographics Trends</a:t>
             </a:r>
           </a:p>
         </p:txBody>
@@ -7382,7 +7693,7 @@
           <p:cNvPr id="2" name="Title 1">
             <a:extLst>
               <a:ext uri="{FF2B5EF4-FFF2-40B4-BE49-F238E27FC236}">
-                <a16:creationId xmlns:a16="http://schemas.microsoft.com/office/drawing/2014/main" id="{2873BEC0-94F5-4226-A9E7-51B66045EF49}"/>
+                <a16:creationId xmlns:a16="http://schemas.microsoft.com/office/drawing/2014/main" id="{65C3525F-7CB4-4C06-B037-C81D2DED9B80}"/>
               </a:ext>
             </a:extLst>
           </p:cNvPr>
@@ -7393,21 +7704,17 @@
             <p:ph type="title"/>
           </p:nvPr>
         </p:nvSpPr>
-        <p:spPr>
-          <a:xfrm>
-            <a:off x="538248" y="383051"/>
-            <a:ext cx="5929053" cy="1325563"/>
-          </a:xfrm>
-        </p:spPr>
+        <p:spPr/>
         <p:txBody>
-          <a:bodyPr anchor="ctr">
-            <a:normAutofit/>
-          </a:bodyPr>
+          <a:bodyPr/>
           <a:lstStyle/>
           <a:p>
             <a:r>
-              <a:rPr lang="en-US" dirty="0"/>
-              <a:t> JOB POSTINGS</a:t>
+              <a:rPr lang="en-US" b="1" dirty="0">
+                <a:latin typeface="Calibri" panose="020F0502020204030204" pitchFamily="34" charset="0"/>
+                <a:cs typeface="Calibri" panose="020F0502020204030204" pitchFamily="34" charset="0"/>
+              </a:rPr>
+              <a:t>APPENDIX 1 - PLATFORM TRENDS</a:t>
             </a:r>
           </a:p>
         </p:txBody>
@@ -7417,7 +7724,46 @@
           <p:cNvPr id="3" name="Content Placeholder 2">
             <a:extLst>
               <a:ext uri="{FF2B5EF4-FFF2-40B4-BE49-F238E27FC236}">
-                <a16:creationId xmlns:a16="http://schemas.microsoft.com/office/drawing/2014/main" id="{902FD5C4-FE5F-46D2-ABC9-49FA4BB8442F}"/>
+                <a16:creationId xmlns:a16="http://schemas.microsoft.com/office/drawing/2014/main" id="{E4FC0D20-FACF-4D73-BD27-CF8F6B97546A}"/>
+              </a:ext>
+            </a:extLst>
+          </p:cNvPr>
+          <p:cNvSpPr>
+            <a:spLocks noGrp="1"/>
+          </p:cNvSpPr>
+          <p:nvPr>
+            <p:ph sz="half" idx="1"/>
+          </p:nvPr>
+        </p:nvSpPr>
+        <p:spPr>
+          <a:xfrm>
+            <a:off x="813816" y="1825625"/>
+            <a:ext cx="2228642" cy="501939"/>
+          </a:xfrm>
+        </p:spPr>
+        <p:txBody>
+          <a:bodyPr/>
+          <a:lstStyle/>
+          <a:p>
+            <a:pPr marL="0" indent="0">
+              <a:buNone/>
+            </a:pPr>
+            <a:r>
+              <a:rPr lang="en-US" b="1" dirty="0">
+                <a:latin typeface="Calibri" panose="020F0502020204030204" pitchFamily="34" charset="0"/>
+                <a:cs typeface="Calibri" panose="020F0502020204030204" pitchFamily="34" charset="0"/>
+              </a:rPr>
+              <a:t>Current Year</a:t>
+            </a:r>
+          </a:p>
+        </p:txBody>
+      </p:sp>
+      <p:sp>
+        <p:nvSpPr>
+          <p:cNvPr id="4" name="Content Placeholder 3">
+            <a:extLst>
+              <a:ext uri="{FF2B5EF4-FFF2-40B4-BE49-F238E27FC236}">
+                <a16:creationId xmlns:a16="http://schemas.microsoft.com/office/drawing/2014/main" id="{ACA6A89D-097D-4968-A07A-39A5B4F78A62}"/>
               </a:ext>
             </a:extLst>
           </p:cNvPr>
@@ -7430,43 +7776,91 @@
         </p:nvSpPr>
         <p:spPr>
           <a:xfrm>
-            <a:off x="914400" y="2191385"/>
-            <a:ext cx="10489276" cy="2862753"/>
+            <a:off x="6642700" y="1825625"/>
+            <a:ext cx="1758142" cy="501939"/>
           </a:xfrm>
         </p:spPr>
         <p:txBody>
-          <a:bodyPr>
-            <a:normAutofit/>
-          </a:bodyPr>
+          <a:bodyPr/>
           <a:lstStyle/>
           <a:p>
             <a:pPr marL="0" indent="0">
               <a:buNone/>
             </a:pPr>
             <a:r>
-              <a:rPr lang="en-US" sz="2200" dirty="0"/>
-              <a:t>In Module 1 you have collected the job posting data using Job API in a file named “</a:t>
-            </a:r>
-            <a:r>
-              <a:rPr lang="en-IN" sz="2400" dirty="0"/>
-              <a:t>job-postings.xlsx</a:t>
-            </a:r>
-            <a:r>
-              <a:rPr lang="en-US" sz="2200" dirty="0"/>
-              <a:t>”. Present that data using a bar chart here. Order the bar chart in the descending order of the number of job </a:t>
-            </a:r>
-            <a:r>
-              <a:rPr lang="en-US" sz="2200"/>
-              <a:t>postings.</a:t>
-            </a:r>
-            <a:endParaRPr lang="en-US" sz="2200" dirty="0"/>
+              <a:rPr lang="en-US" b="1" dirty="0">
+                <a:latin typeface="Calibri" panose="020F0502020204030204" pitchFamily="34" charset="0"/>
+                <a:cs typeface="Calibri" panose="020F0502020204030204" pitchFamily="34" charset="0"/>
+              </a:rPr>
+              <a:t>Next Year</a:t>
+            </a:r>
           </a:p>
         </p:txBody>
       </p:sp>
+      <p:pic>
+        <p:nvPicPr>
+          <p:cNvPr id="7" name="Picture 6">
+            <a:extLst>
+              <a:ext uri="{FF2B5EF4-FFF2-40B4-BE49-F238E27FC236}">
+                <a16:creationId xmlns:a16="http://schemas.microsoft.com/office/drawing/2014/main" id="{F1AB284E-749B-5E1F-F40F-3EDD78232C64}"/>
+              </a:ext>
+            </a:extLst>
+          </p:cNvPr>
+          <p:cNvPicPr>
+            <a:picLocks noChangeAspect="1"/>
+          </p:cNvPicPr>
+          <p:nvPr/>
+        </p:nvPicPr>
+        <p:blipFill>
+          <a:blip r:embed="rId2"/>
+          <a:stretch>
+            <a:fillRect/>
+          </a:stretch>
+        </p:blipFill>
+        <p:spPr>
+          <a:xfrm>
+            <a:off x="766970" y="2462501"/>
+            <a:ext cx="5246968" cy="2925081"/>
+          </a:xfrm>
+          <a:prstGeom prst="rect">
+            <a:avLst/>
+          </a:prstGeom>
+        </p:spPr>
+      </p:pic>
+      <p:pic>
+        <p:nvPicPr>
+          <p:cNvPr id="9" name="Picture 8">
+            <a:extLst>
+              <a:ext uri="{FF2B5EF4-FFF2-40B4-BE49-F238E27FC236}">
+                <a16:creationId xmlns:a16="http://schemas.microsoft.com/office/drawing/2014/main" id="{61D6D1CB-B496-ACCA-19C8-0A5A13F66057}"/>
+              </a:ext>
+            </a:extLst>
+          </p:cNvPr>
+          <p:cNvPicPr>
+            <a:picLocks noChangeAspect="1"/>
+          </p:cNvPicPr>
+          <p:nvPr/>
+        </p:nvPicPr>
+        <p:blipFill>
+          <a:blip r:embed="rId3"/>
+          <a:stretch>
+            <a:fillRect/>
+          </a:stretch>
+        </p:blipFill>
+        <p:spPr>
+          <a:xfrm>
+            <a:off x="6642700" y="2462500"/>
+            <a:ext cx="5175706" cy="2925081"/>
+          </a:xfrm>
+          <a:prstGeom prst="rect">
+            <a:avLst/>
+          </a:prstGeom>
+        </p:spPr>
+      </p:pic>
     </p:spTree>
     <p:extLst>
       <p:ext uri="{BB962C8B-B14F-4D97-AF65-F5344CB8AC3E}">
-        <p14:creationId xmlns:p14="http://schemas.microsoft.com/office/powerpoint/2010/main" val="3078551498"/>
+        <p14:creationId xmlns:p14="http://schemas.microsoft.com/office/powerpoint/2010/main" val="921207991"/>
       </p:ext>
     </p:extLst>
   </p:cSld>
@@ -7579,8 +7973,8 @@
         </p:nvSpPr>
         <p:spPr>
           <a:xfrm>
-            <a:off x="6172200" y="1825625"/>
-            <a:ext cx="5181600" cy="4351338"/>
+            <a:off x="5895474" y="1589373"/>
+            <a:ext cx="5514472" cy="4618922"/>
           </a:xfrm>
         </p:spPr>
         <p:txBody>
@@ -7590,7 +7984,7 @@
           <a:lstStyle/>
           <a:p>
             <a:r>
-              <a:rPr lang="en-US" sz="2200" dirty="0">
+              <a:rPr lang="en-US" sz="2400" b="1" dirty="0">
                 <a:latin typeface="Calibri" panose="020F0502020204030204" pitchFamily="34" charset="0"/>
                 <a:cs typeface="Calibri" panose="020F0502020204030204" pitchFamily="34" charset="0"/>
               </a:rPr>
@@ -7599,7 +7993,7 @@
           </a:p>
           <a:p>
             <a:r>
-              <a:rPr lang="en-US" sz="2200" dirty="0">
+              <a:rPr lang="en-US" sz="2400" b="1" dirty="0">
                 <a:latin typeface="Calibri" panose="020F0502020204030204" pitchFamily="34" charset="0"/>
                 <a:cs typeface="Calibri" panose="020F0502020204030204" pitchFamily="34" charset="0"/>
               </a:rPr>
@@ -7608,7 +8002,7 @@
           </a:p>
           <a:p>
             <a:r>
-              <a:rPr lang="en-US" sz="2200" dirty="0">
+              <a:rPr lang="en-US" sz="2400" b="1" dirty="0">
                 <a:latin typeface="Calibri" panose="020F0502020204030204" pitchFamily="34" charset="0"/>
                 <a:cs typeface="Calibri" panose="020F0502020204030204" pitchFamily="34" charset="0"/>
               </a:rPr>
@@ -7617,7 +8011,7 @@
           </a:p>
           <a:p>
             <a:r>
-              <a:rPr lang="en-US" sz="2200" dirty="0">
+              <a:rPr lang="en-US" sz="2400" b="1" dirty="0">
                 <a:latin typeface="Calibri" panose="020F0502020204030204" pitchFamily="34" charset="0"/>
                 <a:cs typeface="Calibri" panose="020F0502020204030204" pitchFamily="34" charset="0"/>
               </a:rPr>
@@ -7627,7 +8021,7 @@
           <a:p>
             <a:pPr lvl="1"/>
             <a:r>
-              <a:rPr lang="en-US" sz="1800" dirty="0">
+              <a:rPr lang="en-US" sz="2000" dirty="0">
                 <a:latin typeface="Calibri" panose="020F0502020204030204" pitchFamily="34" charset="0"/>
                 <a:cs typeface="Calibri" panose="020F0502020204030204" pitchFamily="34" charset="0"/>
               </a:rPr>
@@ -7637,7 +8031,7 @@
           <a:p>
             <a:pPr lvl="1"/>
             <a:r>
-              <a:rPr lang="en-US" sz="1800" dirty="0">
+              <a:rPr lang="en-US" sz="2000" dirty="0">
                 <a:latin typeface="Calibri" panose="020F0502020204030204" pitchFamily="34" charset="0"/>
                 <a:cs typeface="Calibri" panose="020F0502020204030204" pitchFamily="34" charset="0"/>
               </a:rPr>
@@ -7646,7 +8040,7 @@
           </a:p>
           <a:p>
             <a:r>
-              <a:rPr lang="en-US" sz="2200" dirty="0">
+              <a:rPr lang="en-US" sz="2400" b="1" dirty="0">
                 <a:latin typeface="Calibri" panose="020F0502020204030204" pitchFamily="34" charset="0"/>
                 <a:cs typeface="Calibri" panose="020F0502020204030204" pitchFamily="34" charset="0"/>
               </a:rPr>
@@ -7656,7 +8050,7 @@
           <a:p>
             <a:pPr lvl="1"/>
             <a:r>
-              <a:rPr lang="en-US" sz="1800" dirty="0">
+              <a:rPr lang="en-US" sz="2000" dirty="0">
                 <a:latin typeface="Calibri" panose="020F0502020204030204" pitchFamily="34" charset="0"/>
                 <a:cs typeface="Calibri" panose="020F0502020204030204" pitchFamily="34" charset="0"/>
               </a:rPr>
@@ -7665,7 +8059,7 @@
           </a:p>
           <a:p>
             <a:r>
-              <a:rPr lang="en-US" sz="2200" dirty="0">
+              <a:rPr lang="en-US" sz="2400" b="1" dirty="0">
                 <a:latin typeface="Calibri" panose="020F0502020204030204" pitchFamily="34" charset="0"/>
                 <a:cs typeface="Calibri" panose="020F0502020204030204" pitchFamily="34" charset="0"/>
               </a:rPr>
@@ -7674,7 +8068,7 @@
           </a:p>
           <a:p>
             <a:r>
-              <a:rPr lang="en-US" sz="2200" dirty="0">
+              <a:rPr lang="en-US" sz="2400" b="1" dirty="0">
                 <a:latin typeface="Calibri" panose="020F0502020204030204" pitchFamily="34" charset="0"/>
                 <a:cs typeface="Calibri" panose="020F0502020204030204" pitchFamily="34" charset="0"/>
               </a:rPr>
@@ -8228,6 +8622,404 @@
           <p:cNvPr id="2" name="Title 1">
             <a:extLst>
               <a:ext uri="{FF2B5EF4-FFF2-40B4-BE49-F238E27FC236}">
+                <a16:creationId xmlns:a16="http://schemas.microsoft.com/office/drawing/2014/main" id="{65C3525F-7CB4-4C06-B037-C81D2DED9B80}"/>
+              </a:ext>
+            </a:extLst>
+          </p:cNvPr>
+          <p:cNvSpPr>
+            <a:spLocks noGrp="1"/>
+          </p:cNvSpPr>
+          <p:nvPr>
+            <p:ph type="title"/>
+          </p:nvPr>
+        </p:nvSpPr>
+        <p:spPr/>
+        <p:txBody>
+          <a:bodyPr/>
+          <a:lstStyle/>
+          <a:p>
+            <a:r>
+              <a:rPr lang="en-US" b="1" dirty="0">
+                <a:latin typeface="Calibri" panose="020F0502020204030204" pitchFamily="34" charset="0"/>
+                <a:cs typeface="Calibri" panose="020F0502020204030204" pitchFamily="34" charset="0"/>
+              </a:rPr>
+              <a:t>APPENDIX 2 - FRAMEWORK TRENDS</a:t>
+            </a:r>
+          </a:p>
+        </p:txBody>
+      </p:sp>
+      <p:sp>
+        <p:nvSpPr>
+          <p:cNvPr id="3" name="Content Placeholder 2">
+            <a:extLst>
+              <a:ext uri="{FF2B5EF4-FFF2-40B4-BE49-F238E27FC236}">
+                <a16:creationId xmlns:a16="http://schemas.microsoft.com/office/drawing/2014/main" id="{E4FC0D20-FACF-4D73-BD27-CF8F6B97546A}"/>
+              </a:ext>
+            </a:extLst>
+          </p:cNvPr>
+          <p:cNvSpPr>
+            <a:spLocks noGrp="1"/>
+          </p:cNvSpPr>
+          <p:nvPr>
+            <p:ph sz="half" idx="1"/>
+          </p:nvPr>
+        </p:nvSpPr>
+        <p:spPr>
+          <a:xfrm>
+            <a:off x="813816" y="1825625"/>
+            <a:ext cx="2228642" cy="501939"/>
+          </a:xfrm>
+        </p:spPr>
+        <p:txBody>
+          <a:bodyPr/>
+          <a:lstStyle/>
+          <a:p>
+            <a:pPr marL="0" indent="0">
+              <a:buNone/>
+            </a:pPr>
+            <a:r>
+              <a:rPr lang="en-US" b="1" dirty="0">
+                <a:latin typeface="Calibri" panose="020F0502020204030204" pitchFamily="34" charset="0"/>
+                <a:cs typeface="Calibri" panose="020F0502020204030204" pitchFamily="34" charset="0"/>
+              </a:rPr>
+              <a:t>Current Year</a:t>
+            </a:r>
+          </a:p>
+        </p:txBody>
+      </p:sp>
+      <p:sp>
+        <p:nvSpPr>
+          <p:cNvPr id="4" name="Content Placeholder 3">
+            <a:extLst>
+              <a:ext uri="{FF2B5EF4-FFF2-40B4-BE49-F238E27FC236}">
+                <a16:creationId xmlns:a16="http://schemas.microsoft.com/office/drawing/2014/main" id="{ACA6A89D-097D-4968-A07A-39A5B4F78A62}"/>
+              </a:ext>
+            </a:extLst>
+          </p:cNvPr>
+          <p:cNvSpPr>
+            <a:spLocks noGrp="1"/>
+          </p:cNvSpPr>
+          <p:nvPr>
+            <p:ph sz="half" idx="2"/>
+          </p:nvPr>
+        </p:nvSpPr>
+        <p:spPr>
+          <a:xfrm>
+            <a:off x="6642700" y="1825625"/>
+            <a:ext cx="1758142" cy="501939"/>
+          </a:xfrm>
+        </p:spPr>
+        <p:txBody>
+          <a:bodyPr/>
+          <a:lstStyle/>
+          <a:p>
+            <a:pPr marL="0" indent="0">
+              <a:buNone/>
+            </a:pPr>
+            <a:r>
+              <a:rPr lang="en-US" b="1" dirty="0">
+                <a:latin typeface="Calibri" panose="020F0502020204030204" pitchFamily="34" charset="0"/>
+                <a:cs typeface="Calibri" panose="020F0502020204030204" pitchFamily="34" charset="0"/>
+              </a:rPr>
+              <a:t>Next Year</a:t>
+            </a:r>
+          </a:p>
+        </p:txBody>
+      </p:sp>
+      <p:pic>
+        <p:nvPicPr>
+          <p:cNvPr id="6" name="Picture 5">
+            <a:extLst>
+              <a:ext uri="{FF2B5EF4-FFF2-40B4-BE49-F238E27FC236}">
+                <a16:creationId xmlns:a16="http://schemas.microsoft.com/office/drawing/2014/main" id="{1CA7101E-C655-658C-DD12-C86D73ADEAD6}"/>
+              </a:ext>
+            </a:extLst>
+          </p:cNvPr>
+          <p:cNvPicPr>
+            <a:picLocks noChangeAspect="1"/>
+          </p:cNvPicPr>
+          <p:nvPr/>
+        </p:nvPicPr>
+        <p:blipFill>
+          <a:blip r:embed="rId2"/>
+          <a:stretch>
+            <a:fillRect/>
+          </a:stretch>
+        </p:blipFill>
+        <p:spPr>
+          <a:xfrm>
+            <a:off x="838201" y="2462501"/>
+            <a:ext cx="4800600" cy="2686505"/>
+          </a:xfrm>
+          <a:prstGeom prst="rect">
+            <a:avLst/>
+          </a:prstGeom>
+        </p:spPr>
+      </p:pic>
+      <p:pic>
+        <p:nvPicPr>
+          <p:cNvPr id="8" name="Picture 7">
+            <a:extLst>
+              <a:ext uri="{FF2B5EF4-FFF2-40B4-BE49-F238E27FC236}">
+                <a16:creationId xmlns:a16="http://schemas.microsoft.com/office/drawing/2014/main" id="{96BB5863-5A5A-0FCA-7C3E-A4842473FFE6}"/>
+              </a:ext>
+            </a:extLst>
+          </p:cNvPr>
+          <p:cNvPicPr>
+            <a:picLocks noChangeAspect="1"/>
+          </p:cNvPicPr>
+          <p:nvPr/>
+        </p:nvPicPr>
+        <p:blipFill>
+          <a:blip r:embed="rId3"/>
+          <a:stretch>
+            <a:fillRect/>
+          </a:stretch>
+        </p:blipFill>
+        <p:spPr>
+          <a:xfrm>
+            <a:off x="6553201" y="2462500"/>
+            <a:ext cx="4800599" cy="2689991"/>
+          </a:xfrm>
+          <a:prstGeom prst="rect">
+            <a:avLst/>
+          </a:prstGeom>
+        </p:spPr>
+      </p:pic>
+    </p:spTree>
+    <p:extLst>
+      <p:ext uri="{BB962C8B-B14F-4D97-AF65-F5344CB8AC3E}">
+        <p14:creationId xmlns:p14="http://schemas.microsoft.com/office/powerpoint/2010/main" val="960622786"/>
+      </p:ext>
+    </p:extLst>
+  </p:cSld>
+  <p:clrMapOvr>
+    <a:masterClrMapping/>
+  </p:clrMapOvr>
+</p:sld>
+</file>
+
+<file path=ppt/slides/slide21.xml><?xml version="1.0" encoding="utf-8"?>
+<p:sld xmlns:a="http://schemas.openxmlformats.org/drawingml/2006/main" xmlns:r="http://schemas.openxmlformats.org/officeDocument/2006/relationships" xmlns:p="http://schemas.openxmlformats.org/presentationml/2006/main">
+  <p:cSld>
+    <p:spTree>
+      <p:nvGrpSpPr>
+        <p:cNvPr id="1" name=""/>
+        <p:cNvGrpSpPr/>
+        <p:nvPr/>
+      </p:nvGrpSpPr>
+      <p:grpSpPr>
+        <a:xfrm>
+          <a:off x="0" y="0"/>
+          <a:ext cx="0" cy="0"/>
+          <a:chOff x="0" y="0"/>
+          <a:chExt cx="0" cy="0"/>
+        </a:xfrm>
+      </p:grpSpPr>
+      <p:sp>
+        <p:nvSpPr>
+          <p:cNvPr id="2" name="Title 1">
+            <a:extLst>
+              <a:ext uri="{FF2B5EF4-FFF2-40B4-BE49-F238E27FC236}">
+                <a16:creationId xmlns:a16="http://schemas.microsoft.com/office/drawing/2014/main" id="{65C3525F-7CB4-4C06-B037-C81D2DED9B80}"/>
+              </a:ext>
+            </a:extLst>
+          </p:cNvPr>
+          <p:cNvSpPr>
+            <a:spLocks noGrp="1"/>
+          </p:cNvSpPr>
+          <p:nvPr>
+            <p:ph type="title"/>
+          </p:nvPr>
+        </p:nvSpPr>
+        <p:spPr/>
+        <p:txBody>
+          <a:bodyPr/>
+          <a:lstStyle/>
+          <a:p>
+            <a:r>
+              <a:rPr lang="en-US" b="1" dirty="0">
+                <a:latin typeface="Calibri" panose="020F0502020204030204" pitchFamily="34" charset="0"/>
+                <a:cs typeface="Calibri" panose="020F0502020204030204" pitchFamily="34" charset="0"/>
+              </a:rPr>
+              <a:t>APPENDIX 3 - DEMOGRAPHICS TRENDS</a:t>
+            </a:r>
+          </a:p>
+        </p:txBody>
+      </p:sp>
+      <p:sp>
+        <p:nvSpPr>
+          <p:cNvPr id="3" name="Content Placeholder 2">
+            <a:extLst>
+              <a:ext uri="{FF2B5EF4-FFF2-40B4-BE49-F238E27FC236}">
+                <a16:creationId xmlns:a16="http://schemas.microsoft.com/office/drawing/2014/main" id="{E4FC0D20-FACF-4D73-BD27-CF8F6B97546A}"/>
+              </a:ext>
+            </a:extLst>
+          </p:cNvPr>
+          <p:cNvSpPr>
+            <a:spLocks noGrp="1"/>
+          </p:cNvSpPr>
+          <p:nvPr>
+            <p:ph sz="half" idx="1"/>
+          </p:nvPr>
+        </p:nvSpPr>
+        <p:spPr>
+          <a:xfrm>
+            <a:off x="813816" y="1825625"/>
+            <a:ext cx="2228642" cy="501939"/>
+          </a:xfrm>
+        </p:spPr>
+        <p:txBody>
+          <a:bodyPr/>
+          <a:lstStyle/>
+          <a:p>
+            <a:pPr marL="0" indent="0">
+              <a:buNone/>
+            </a:pPr>
+            <a:r>
+              <a:rPr lang="en-US" b="1" dirty="0">
+                <a:latin typeface="Calibri" panose="020F0502020204030204" pitchFamily="34" charset="0"/>
+                <a:cs typeface="Calibri" panose="020F0502020204030204" pitchFamily="34" charset="0"/>
+              </a:rPr>
+              <a:t>By Gender</a:t>
+            </a:r>
+          </a:p>
+        </p:txBody>
+      </p:sp>
+      <p:sp>
+        <p:nvSpPr>
+          <p:cNvPr id="4" name="Content Placeholder 3">
+            <a:extLst>
+              <a:ext uri="{FF2B5EF4-FFF2-40B4-BE49-F238E27FC236}">
+                <a16:creationId xmlns:a16="http://schemas.microsoft.com/office/drawing/2014/main" id="{ACA6A89D-097D-4968-A07A-39A5B4F78A62}"/>
+              </a:ext>
+            </a:extLst>
+          </p:cNvPr>
+          <p:cNvSpPr>
+            <a:spLocks noGrp="1"/>
+          </p:cNvSpPr>
+          <p:nvPr>
+            <p:ph sz="half" idx="2"/>
+          </p:nvPr>
+        </p:nvSpPr>
+        <p:spPr>
+          <a:xfrm>
+            <a:off x="6642700" y="1825625"/>
+            <a:ext cx="1758142" cy="501939"/>
+          </a:xfrm>
+        </p:spPr>
+        <p:txBody>
+          <a:bodyPr/>
+          <a:lstStyle/>
+          <a:p>
+            <a:pPr marL="0" indent="0">
+              <a:buNone/>
+            </a:pPr>
+            <a:r>
+              <a:rPr lang="en-US" b="1" dirty="0">
+                <a:latin typeface="Calibri" panose="020F0502020204030204" pitchFamily="34" charset="0"/>
+                <a:cs typeface="Calibri" panose="020F0502020204030204" pitchFamily="34" charset="0"/>
+              </a:rPr>
+              <a:t>By Age</a:t>
+            </a:r>
+          </a:p>
+        </p:txBody>
+      </p:sp>
+      <p:pic>
+        <p:nvPicPr>
+          <p:cNvPr id="6" name="Picture 5">
+            <a:extLst>
+              <a:ext uri="{FF2B5EF4-FFF2-40B4-BE49-F238E27FC236}">
+                <a16:creationId xmlns:a16="http://schemas.microsoft.com/office/drawing/2014/main" id="{9EE102F7-F330-F9CA-C25D-08F383788258}"/>
+              </a:ext>
+            </a:extLst>
+          </p:cNvPr>
+          <p:cNvPicPr>
+            <a:picLocks noChangeAspect="1"/>
+          </p:cNvPicPr>
+          <p:nvPr/>
+        </p:nvPicPr>
+        <p:blipFill>
+          <a:blip r:embed="rId2"/>
+          <a:stretch>
+            <a:fillRect/>
+          </a:stretch>
+        </p:blipFill>
+        <p:spPr>
+          <a:xfrm>
+            <a:off x="838200" y="2544563"/>
+            <a:ext cx="5262370" cy="2941837"/>
+          </a:xfrm>
+          <a:prstGeom prst="rect">
+            <a:avLst/>
+          </a:prstGeom>
+        </p:spPr>
+      </p:pic>
+      <p:pic>
+        <p:nvPicPr>
+          <p:cNvPr id="8" name="Picture 7">
+            <a:extLst>
+              <a:ext uri="{FF2B5EF4-FFF2-40B4-BE49-F238E27FC236}">
+                <a16:creationId xmlns:a16="http://schemas.microsoft.com/office/drawing/2014/main" id="{171E9EFA-ECB9-A110-44A4-A55754802802}"/>
+              </a:ext>
+            </a:extLst>
+          </p:cNvPr>
+          <p:cNvPicPr>
+            <a:picLocks noChangeAspect="1"/>
+          </p:cNvPicPr>
+          <p:nvPr/>
+        </p:nvPicPr>
+        <p:blipFill>
+          <a:blip r:embed="rId3"/>
+          <a:stretch>
+            <a:fillRect/>
+          </a:stretch>
+        </p:blipFill>
+        <p:spPr>
+          <a:xfrm>
+            <a:off x="6572983" y="2544563"/>
+            <a:ext cx="5352928" cy="2941836"/>
+          </a:xfrm>
+          <a:prstGeom prst="rect">
+            <a:avLst/>
+          </a:prstGeom>
+        </p:spPr>
+      </p:pic>
+    </p:spTree>
+    <p:extLst>
+      <p:ext uri="{BB962C8B-B14F-4D97-AF65-F5344CB8AC3E}">
+        <p14:creationId xmlns:p14="http://schemas.microsoft.com/office/powerpoint/2010/main" val="2133491683"/>
+      </p:ext>
+    </p:extLst>
+  </p:cSld>
+  <p:clrMapOvr>
+    <a:masterClrMapping/>
+  </p:clrMapOvr>
+</p:sld>
+</file>
+
+<file path=ppt/slides/slide22.xml><?xml version="1.0" encoding="utf-8"?>
+<p:sld xmlns:a="http://schemas.openxmlformats.org/drawingml/2006/main" xmlns:r="http://schemas.openxmlformats.org/officeDocument/2006/relationships" xmlns:p="http://schemas.openxmlformats.org/presentationml/2006/main">
+  <p:cSld>
+    <p:spTree>
+      <p:nvGrpSpPr>
+        <p:cNvPr id="1" name=""/>
+        <p:cNvGrpSpPr/>
+        <p:nvPr/>
+      </p:nvGrpSpPr>
+      <p:grpSpPr>
+        <a:xfrm>
+          <a:off x="0" y="0"/>
+          <a:ext cx="0" cy="0"/>
+          <a:chOff x="0" y="0"/>
+          <a:chExt cx="0" cy="0"/>
+        </a:xfrm>
+      </p:grpSpPr>
+      <p:sp>
+        <p:nvSpPr>
+          <p:cNvPr id="2" name="Title 1">
+            <a:extLst>
+              <a:ext uri="{FF2B5EF4-FFF2-40B4-BE49-F238E27FC236}">
                 <a16:creationId xmlns:a16="http://schemas.microsoft.com/office/drawing/2014/main" id="{2873BEC0-94F5-4226-A9E7-51B66045EF49}"/>
               </a:ext>
             </a:extLst>
@@ -8241,7 +9033,105 @@
         </p:nvSpPr>
         <p:spPr>
           <a:xfrm>
-            <a:off x="538248" y="383051"/>
+            <a:off x="538248" y="383052"/>
+            <a:ext cx="5929053" cy="1284052"/>
+          </a:xfrm>
+        </p:spPr>
+        <p:txBody>
+          <a:bodyPr anchor="ctr">
+            <a:normAutofit/>
+          </a:bodyPr>
+          <a:lstStyle/>
+          <a:p>
+            <a:r>
+              <a:rPr lang="en-US" b="1" dirty="0">
+                <a:latin typeface="Calibri" panose="020F0502020204030204" pitchFamily="34" charset="0"/>
+                <a:cs typeface="Calibri" panose="020F0502020204030204" pitchFamily="34" charset="0"/>
+              </a:rPr>
+              <a:t> JOB POSTINGS</a:t>
+            </a:r>
+          </a:p>
+        </p:txBody>
+      </p:sp>
+      <p:pic>
+        <p:nvPicPr>
+          <p:cNvPr id="6" name="Picture 5">
+            <a:extLst>
+              <a:ext uri="{FF2B5EF4-FFF2-40B4-BE49-F238E27FC236}">
+                <a16:creationId xmlns:a16="http://schemas.microsoft.com/office/drawing/2014/main" id="{FD54E583-B318-3D70-D06C-8F900DCFE2F9}"/>
+              </a:ext>
+            </a:extLst>
+          </p:cNvPr>
+          <p:cNvPicPr>
+            <a:picLocks noChangeAspect="1"/>
+          </p:cNvPicPr>
+          <p:nvPr/>
+        </p:nvPicPr>
+        <p:blipFill>
+          <a:blip r:embed="rId2"/>
+          <a:stretch>
+            <a:fillRect/>
+          </a:stretch>
+        </p:blipFill>
+        <p:spPr>
+          <a:xfrm>
+            <a:off x="1397000" y="1667104"/>
+            <a:ext cx="9022862" cy="4065482"/>
+          </a:xfrm>
+          <a:prstGeom prst="rect">
+            <a:avLst/>
+          </a:prstGeom>
+        </p:spPr>
+      </p:pic>
+    </p:spTree>
+    <p:extLst>
+      <p:ext uri="{BB962C8B-B14F-4D97-AF65-F5344CB8AC3E}">
+        <p14:creationId xmlns:p14="http://schemas.microsoft.com/office/powerpoint/2010/main" val="3078551498"/>
+      </p:ext>
+    </p:extLst>
+  </p:cSld>
+  <p:clrMapOvr>
+    <a:masterClrMapping/>
+  </p:clrMapOvr>
+</p:sld>
+</file>
+
+<file path=ppt/slides/slide23.xml><?xml version="1.0" encoding="utf-8"?>
+<p:sld xmlns:a="http://schemas.openxmlformats.org/drawingml/2006/main" xmlns:r="http://schemas.openxmlformats.org/officeDocument/2006/relationships" xmlns:p="http://schemas.openxmlformats.org/presentationml/2006/main">
+  <p:cSld>
+    <p:spTree>
+      <p:nvGrpSpPr>
+        <p:cNvPr id="1" name=""/>
+        <p:cNvGrpSpPr/>
+        <p:nvPr/>
+      </p:nvGrpSpPr>
+      <p:grpSpPr>
+        <a:xfrm>
+          <a:off x="0" y="0"/>
+          <a:ext cx="0" cy="0"/>
+          <a:chOff x="0" y="0"/>
+          <a:chExt cx="0" cy="0"/>
+        </a:xfrm>
+      </p:grpSpPr>
+      <p:sp>
+        <p:nvSpPr>
+          <p:cNvPr id="2" name="Title 1">
+            <a:extLst>
+              <a:ext uri="{FF2B5EF4-FFF2-40B4-BE49-F238E27FC236}">
+                <a16:creationId xmlns:a16="http://schemas.microsoft.com/office/drawing/2014/main" id="{2873BEC0-94F5-4226-A9E7-51B66045EF49}"/>
+              </a:ext>
+            </a:extLst>
+          </p:cNvPr>
+          <p:cNvSpPr>
+            <a:spLocks noGrp="1"/>
+          </p:cNvSpPr>
+          <p:nvPr>
+            <p:ph type="title"/>
+          </p:nvPr>
+        </p:nvSpPr>
+        <p:spPr>
+          <a:xfrm>
+            <a:off x="843048" y="383051"/>
             <a:ext cx="5929053" cy="1325563"/>
           </a:xfrm>
         </p:spPr>
@@ -8252,62 +9142,45 @@
           <a:lstStyle/>
           <a:p>
             <a:r>
-              <a:rPr lang="en-US" dirty="0"/>
+              <a:rPr lang="en-US" b="1" dirty="0">
+                <a:latin typeface="Calibri" panose="020F0502020204030204" pitchFamily="34" charset="0"/>
+                <a:cs typeface="Calibri" panose="020F0502020204030204" pitchFamily="34" charset="0"/>
+              </a:rPr>
               <a:t>POPULAR LANGUAGES</a:t>
             </a:r>
           </a:p>
         </p:txBody>
       </p:sp>
-      <p:sp>
-        <p:nvSpPr>
-          <p:cNvPr id="3" name="Content Placeholder 2">
+      <p:pic>
+        <p:nvPicPr>
+          <p:cNvPr id="6" name="Picture 5">
             <a:extLst>
               <a:ext uri="{FF2B5EF4-FFF2-40B4-BE49-F238E27FC236}">
-                <a16:creationId xmlns:a16="http://schemas.microsoft.com/office/drawing/2014/main" id="{902FD5C4-FE5F-46D2-ABC9-49FA4BB8442F}"/>
+                <a16:creationId xmlns:a16="http://schemas.microsoft.com/office/drawing/2014/main" id="{26B50426-AED0-26CE-7E77-775AA89BC045}"/>
               </a:ext>
             </a:extLst>
           </p:cNvPr>
-          <p:cNvSpPr>
-            <a:spLocks noGrp="1"/>
-          </p:cNvSpPr>
-          <p:nvPr>
-            <p:ph sz="half" idx="2"/>
-          </p:nvPr>
-        </p:nvSpPr>
+          <p:cNvPicPr>
+            <a:picLocks noChangeAspect="1"/>
+          </p:cNvPicPr>
+          <p:nvPr/>
+        </p:nvPicPr>
+        <p:blipFill>
+          <a:blip r:embed="rId2"/>
+          <a:stretch>
+            <a:fillRect/>
+          </a:stretch>
+        </p:blipFill>
         <p:spPr>
           <a:xfrm>
-            <a:off x="878305" y="2191385"/>
-            <a:ext cx="10525371" cy="2862753"/>
+            <a:off x="1782973" y="1485349"/>
+            <a:ext cx="7852329" cy="4590686"/>
           </a:xfrm>
+          <a:prstGeom prst="rect">
+            <a:avLst/>
+          </a:prstGeom>
         </p:spPr>
-        <p:txBody>
-          <a:bodyPr>
-            <a:normAutofit/>
-          </a:bodyPr>
-          <a:lstStyle/>
-          <a:p>
-            <a:pPr marL="0" indent="0">
-              <a:buNone/>
-            </a:pPr>
-            <a:r>
-              <a:rPr lang="en-US" sz="2200" dirty="0"/>
-              <a:t>In Module 1 you have collected the job postings data using web scraping in a file named “</a:t>
-            </a:r>
-            <a:r>
-              <a:rPr lang="en-IN" sz="2400" dirty="0"/>
-              <a:t>popular-</a:t>
-            </a:r>
-            <a:r>
-              <a:rPr lang="en-IN" sz="2400" dirty="0" err="1"/>
-              <a:t>languages.csv</a:t>
-            </a:r>
-            <a:r>
-              <a:rPr lang="en-US" sz="2200" dirty="0"/>
-              <a:t>”. Present that data using a bar chart here. Order the bar chart in the descending order of salary.</a:t>
-            </a:r>
-          </a:p>
-        </p:txBody>
-      </p:sp>
+      </p:pic>
     </p:spTree>
     <p:extLst>
       <p:ext uri="{BB962C8B-B14F-4D97-AF65-F5344CB8AC3E}">
@@ -8356,233 +9229,6 @@
         </p:nvSpPr>
         <p:spPr>
           <a:xfrm>
-            <a:off x="733926" y="304965"/>
-            <a:ext cx="8565109" cy="1325563"/>
-          </a:xfrm>
-        </p:spPr>
-        <p:txBody>
-          <a:bodyPr anchor="ctr">
-            <a:normAutofit/>
-          </a:bodyPr>
-          <a:lstStyle/>
-          <a:p>
-            <a:r>
-              <a:rPr lang="en-US" b="1" dirty="0">
-                <a:latin typeface="Calibri" panose="020F0502020204030204" pitchFamily="34" charset="0"/>
-                <a:cs typeface="Calibri" panose="020F0502020204030204" pitchFamily="34" charset="0"/>
-              </a:rPr>
-              <a:t>EXECUTIVE SUMMARY</a:t>
-            </a:r>
-          </a:p>
-        </p:txBody>
-      </p:sp>
-      <p:sp>
-        <p:nvSpPr>
-          <p:cNvPr id="3" name="Content Placeholder 2">
-            <a:extLst>
-              <a:ext uri="{FF2B5EF4-FFF2-40B4-BE49-F238E27FC236}">
-                <a16:creationId xmlns:a16="http://schemas.microsoft.com/office/drawing/2014/main" id="{902FD5C4-FE5F-46D2-ABC9-49FA4BB8442F}"/>
-              </a:ext>
-            </a:extLst>
-          </p:cNvPr>
-          <p:cNvSpPr>
-            <a:spLocks noGrp="1"/>
-          </p:cNvSpPr>
-          <p:nvPr>
-            <p:ph sz="half" idx="2"/>
-          </p:nvPr>
-        </p:nvSpPr>
-        <p:spPr>
-          <a:xfrm>
-            <a:off x="4660213" y="1443979"/>
-            <a:ext cx="6797861" cy="4792698"/>
-          </a:xfrm>
-        </p:spPr>
-        <p:txBody>
-          <a:bodyPr>
-            <a:normAutofit lnSpcReduction="10000"/>
-          </a:bodyPr>
-          <a:lstStyle/>
-          <a:p>
-            <a:r>
-              <a:rPr lang="en-US" sz="2200" dirty="0">
-                <a:latin typeface="Calibri" panose="020F0502020204030204" pitchFamily="34" charset="0"/>
-                <a:cs typeface="Calibri" panose="020F0502020204030204" pitchFamily="34" charset="0"/>
-              </a:rPr>
-              <a:t>Identifying technology trends for future skill requirements. </a:t>
-            </a:r>
-          </a:p>
-          <a:p>
-            <a:r>
-              <a:rPr lang="en-US" sz="2200" dirty="0">
-                <a:latin typeface="Calibri" panose="020F0502020204030204" pitchFamily="34" charset="0"/>
-                <a:cs typeface="Calibri" panose="020F0502020204030204" pitchFamily="34" charset="0"/>
-              </a:rPr>
-              <a:t>Collecting data from various sources and identifying trends for this year's report on emerging skills from:</a:t>
-            </a:r>
-          </a:p>
-          <a:p>
-            <a:pPr lvl="1"/>
-            <a:r>
-              <a:rPr lang="en-US" sz="1800" dirty="0">
-                <a:latin typeface="Calibri" panose="020F0502020204030204" pitchFamily="34" charset="0"/>
-                <a:cs typeface="Calibri" panose="020F0502020204030204" pitchFamily="34" charset="0"/>
-              </a:rPr>
-              <a:t>Job postings</a:t>
-            </a:r>
-          </a:p>
-          <a:p>
-            <a:pPr lvl="1"/>
-            <a:r>
-              <a:rPr lang="en-US" sz="1800" dirty="0">
-                <a:latin typeface="Calibri" panose="020F0502020204030204" pitchFamily="34" charset="0"/>
-                <a:cs typeface="Calibri" panose="020F0502020204030204" pitchFamily="34" charset="0"/>
-              </a:rPr>
-              <a:t>Training portals</a:t>
-            </a:r>
-          </a:p>
-          <a:p>
-            <a:pPr lvl="1"/>
-            <a:r>
-              <a:rPr lang="en-US" sz="1800" dirty="0">
-                <a:latin typeface="Calibri" panose="020F0502020204030204" pitchFamily="34" charset="0"/>
-                <a:cs typeface="Calibri" panose="020F0502020204030204" pitchFamily="34" charset="0"/>
-              </a:rPr>
-              <a:t>Surveys</a:t>
-            </a:r>
-            <a:endParaRPr lang="en-US" sz="2200" dirty="0">
-              <a:latin typeface="Calibri" panose="020F0502020204030204" pitchFamily="34" charset="0"/>
-              <a:cs typeface="Calibri" panose="020F0502020204030204" pitchFamily="34" charset="0"/>
-            </a:endParaRPr>
-          </a:p>
-          <a:p>
-            <a:r>
-              <a:rPr lang="en-US" sz="2200" dirty="0">
-                <a:latin typeface="Calibri" panose="020F0502020204030204" pitchFamily="34" charset="0"/>
-                <a:cs typeface="Calibri" panose="020F0502020204030204" pitchFamily="34" charset="0"/>
-              </a:rPr>
-              <a:t>Analyzing the data and identifying insights and trends including:</a:t>
-            </a:r>
-          </a:p>
-          <a:p>
-            <a:pPr lvl="1"/>
-            <a:r>
-              <a:rPr lang="en-US" sz="1800" dirty="0">
-                <a:latin typeface="Calibri" panose="020F0502020204030204" pitchFamily="34" charset="0"/>
-                <a:cs typeface="Calibri" panose="020F0502020204030204" pitchFamily="34" charset="0"/>
-              </a:rPr>
-              <a:t>The top programming languages in demand</a:t>
-            </a:r>
-          </a:p>
-          <a:p>
-            <a:pPr lvl="1"/>
-            <a:r>
-              <a:rPr lang="en-US" sz="1800" dirty="0">
-                <a:latin typeface="Calibri" panose="020F0502020204030204" pitchFamily="34" charset="0"/>
-                <a:cs typeface="Calibri" panose="020F0502020204030204" pitchFamily="34" charset="0"/>
-              </a:rPr>
-              <a:t>The top database skills in demand</a:t>
-            </a:r>
-          </a:p>
-          <a:p>
-            <a:pPr lvl="1"/>
-            <a:r>
-              <a:rPr lang="en-US" sz="1800" dirty="0">
-                <a:latin typeface="Calibri" panose="020F0502020204030204" pitchFamily="34" charset="0"/>
-                <a:cs typeface="Calibri" panose="020F0502020204030204" pitchFamily="34" charset="0"/>
-              </a:rPr>
-              <a:t>The popular IDEs</a:t>
-            </a:r>
-          </a:p>
-          <a:p>
-            <a:r>
-              <a:rPr lang="en-US" sz="2200" dirty="0">
-                <a:latin typeface="Calibri" panose="020F0502020204030204" pitchFamily="34" charset="0"/>
-                <a:cs typeface="Calibri" panose="020F0502020204030204" pitchFamily="34" charset="0"/>
-              </a:rPr>
-              <a:t>Building dashboards to visualize insights and trends to bring findings for developers, recruiters, educators, and policymakers</a:t>
-            </a:r>
-          </a:p>
-        </p:txBody>
-      </p:sp>
-      <p:pic>
-        <p:nvPicPr>
-          <p:cNvPr id="5" name="Picture 4">
-            <a:extLst>
-              <a:ext uri="{FF2B5EF4-FFF2-40B4-BE49-F238E27FC236}">
-                <a16:creationId xmlns:a16="http://schemas.microsoft.com/office/drawing/2014/main" id="{65078B9B-93A7-4517-9E78-2F5C028F2238}"/>
-              </a:ext>
-            </a:extLst>
-          </p:cNvPr>
-          <p:cNvPicPr>
-            <a:picLocks noChangeAspect="1"/>
-          </p:cNvPicPr>
-          <p:nvPr/>
-        </p:nvPicPr>
-        <p:blipFill>
-          <a:blip r:embed="rId3"/>
-          <a:stretch>
-            <a:fillRect/>
-          </a:stretch>
-        </p:blipFill>
-        <p:spPr>
-          <a:xfrm>
-            <a:off x="1090494" y="2302762"/>
-            <a:ext cx="3194581" cy="3194581"/>
-          </a:xfrm>
-          <a:prstGeom prst="rect">
-            <a:avLst/>
-          </a:prstGeom>
-        </p:spPr>
-      </p:pic>
-    </p:spTree>
-    <p:extLst>
-      <p:ext uri="{BB962C8B-B14F-4D97-AF65-F5344CB8AC3E}">
-        <p14:creationId xmlns:p14="http://schemas.microsoft.com/office/powerpoint/2010/main" val="3083623366"/>
-      </p:ext>
-    </p:extLst>
-  </p:cSld>
-  <p:clrMapOvr>
-    <a:masterClrMapping/>
-  </p:clrMapOvr>
-</p:sld>
-</file>
-
-<file path=ppt/slides/slide4.xml><?xml version="1.0" encoding="utf-8"?>
-<p:sld xmlns:a="http://schemas.openxmlformats.org/drawingml/2006/main" xmlns:r="http://schemas.openxmlformats.org/officeDocument/2006/relationships" xmlns:p="http://schemas.openxmlformats.org/presentationml/2006/main">
-  <p:cSld>
-    <p:spTree>
-      <p:nvGrpSpPr>
-        <p:cNvPr id="1" name=""/>
-        <p:cNvGrpSpPr/>
-        <p:nvPr/>
-      </p:nvGrpSpPr>
-      <p:grpSpPr>
-        <a:xfrm>
-          <a:off x="0" y="0"/>
-          <a:ext cx="0" cy="0"/>
-          <a:chOff x="0" y="0"/>
-          <a:chExt cx="0" cy="0"/>
-        </a:xfrm>
-      </p:grpSpPr>
-      <p:sp>
-        <p:nvSpPr>
-          <p:cNvPr id="2" name="Title 1">
-            <a:extLst>
-              <a:ext uri="{FF2B5EF4-FFF2-40B4-BE49-F238E27FC236}">
-                <a16:creationId xmlns:a16="http://schemas.microsoft.com/office/drawing/2014/main" id="{2873BEC0-94F5-4226-A9E7-51B66045EF49}"/>
-              </a:ext>
-            </a:extLst>
-          </p:cNvPr>
-          <p:cNvSpPr>
-            <a:spLocks noGrp="1"/>
-          </p:cNvSpPr>
-          <p:nvPr>
-            <p:ph type="title"/>
-          </p:nvPr>
-        </p:nvSpPr>
-        <p:spPr>
-          <a:xfrm>
             <a:off x="770021" y="365125"/>
             <a:ext cx="7647865" cy="1325563"/>
           </a:xfrm>
@@ -8594,8 +9240,11 @@
           <a:lstStyle/>
           <a:p>
             <a:r>
-              <a:rPr lang="en-US" dirty="0"/>
-              <a:t>INTRODUCTION</a:t>
+              <a:rPr lang="en-US" b="1" dirty="0">
+                <a:latin typeface="Calibri" panose="020F0502020204030204" pitchFamily="34" charset="0"/>
+                <a:cs typeface="Calibri" panose="020F0502020204030204" pitchFamily="34" charset="0"/>
+              </a:rPr>
+              <a:t>EXECUTIVE SUMMARY</a:t>
             </a:r>
           </a:p>
         </p:txBody>
@@ -8646,8 +9295,8 @@
         </p:nvSpPr>
         <p:spPr>
           <a:xfrm>
-            <a:off x="4353254" y="1613547"/>
-            <a:ext cx="7068725" cy="4351338"/>
+            <a:off x="5165671" y="1472870"/>
+            <a:ext cx="6504429" cy="4881038"/>
           </a:xfrm>
           <a:prstGeom prst="rect">
             <a:avLst/>
@@ -8655,7 +9304,7 @@
         </p:spPr>
         <p:txBody>
           <a:bodyPr vert="horz" lIns="91440" tIns="45720" rIns="91440" bIns="45720" rtlCol="0">
-            <a:normAutofit lnSpcReduction="10000"/>
+            <a:noAutofit/>
           </a:bodyPr>
           <a:lstStyle>
             <a:lvl1pPr marL="228600" indent="-228600" algn="l" defTabSz="914400" rtl="0" eaLnBrk="1" latinLnBrk="0" hangingPunct="1">
@@ -8823,20 +9472,11 @@
           </a:lstStyle>
           <a:p>
             <a:r>
-              <a:rPr lang="en-US" sz="2200" dirty="0">
-                <a:latin typeface="Calibri" panose="020F0502020204030204" pitchFamily="34" charset="0"/>
-                <a:cs typeface="Calibri" panose="020F0502020204030204" pitchFamily="34" charset="0"/>
-              </a:rPr>
-              <a:t>Identifying technology trends for future skill requirements. </a:t>
-            </a:r>
-          </a:p>
-          <a:p>
-            <a:r>
-              <a:rPr lang="en-US" sz="2200" dirty="0">
-                <a:latin typeface="Calibri" panose="020F0502020204030204" pitchFamily="34" charset="0"/>
-                <a:cs typeface="Calibri" panose="020F0502020204030204" pitchFamily="34" charset="0"/>
-              </a:rPr>
-              <a:t>Collecting data from various sources and identifying trends for this year's report on emerging skills from:</a:t>
+              <a:rPr lang="en-US" sz="2000" b="1" dirty="0">
+                <a:latin typeface="Calibri" panose="020F0502020204030204" pitchFamily="34" charset="0"/>
+                <a:cs typeface="Calibri" panose="020F0502020204030204" pitchFamily="34" charset="0"/>
+              </a:rPr>
+              <a:t>Current Technology Trends By:</a:t>
             </a:r>
           </a:p>
           <a:p>
@@ -8846,7 +9486,7 @@
                 <a:latin typeface="Calibri" panose="020F0502020204030204" pitchFamily="34" charset="0"/>
                 <a:cs typeface="Calibri" panose="020F0502020204030204" pitchFamily="34" charset="0"/>
               </a:rPr>
-              <a:t>Job postings</a:t>
+              <a:t>Language</a:t>
             </a:r>
           </a:p>
           <a:p>
@@ -8856,7 +9496,7 @@
                 <a:latin typeface="Calibri" panose="020F0502020204030204" pitchFamily="34" charset="0"/>
                 <a:cs typeface="Calibri" panose="020F0502020204030204" pitchFamily="34" charset="0"/>
               </a:rPr>
-              <a:t>Training portals</a:t>
+              <a:t>Database</a:t>
             </a:r>
           </a:p>
           <a:p>
@@ -8866,71 +9506,366 @@
                 <a:latin typeface="Calibri" panose="020F0502020204030204" pitchFamily="34" charset="0"/>
                 <a:cs typeface="Calibri" panose="020F0502020204030204" pitchFamily="34" charset="0"/>
               </a:rPr>
-              <a:t>Surveys</a:t>
-            </a:r>
-            <a:endParaRPr lang="en-US" sz="2200" dirty="0">
+              <a:t>Platform</a:t>
+            </a:r>
+          </a:p>
+          <a:p>
+            <a:pPr lvl="1"/>
+            <a:r>
+              <a:rPr lang="en-US" sz="1800" dirty="0">
+                <a:latin typeface="Calibri" panose="020F0502020204030204" pitchFamily="34" charset="0"/>
+                <a:cs typeface="Calibri" panose="020F0502020204030204" pitchFamily="34" charset="0"/>
+              </a:rPr>
+              <a:t>Web Frameworks</a:t>
+            </a:r>
+          </a:p>
+          <a:p>
+            <a:r>
+              <a:rPr lang="en-US" sz="2000" b="1" dirty="0">
+                <a:latin typeface="Calibri" panose="020F0502020204030204" pitchFamily="34" charset="0"/>
+                <a:cs typeface="Calibri" panose="020F0502020204030204" pitchFamily="34" charset="0"/>
+              </a:rPr>
+              <a:t>Future Technology Trends By:</a:t>
+            </a:r>
+          </a:p>
+          <a:p>
+            <a:pPr lvl="1"/>
+            <a:r>
+              <a:rPr lang="en-US" sz="1800" dirty="0">
+                <a:latin typeface="Calibri" panose="020F0502020204030204" pitchFamily="34" charset="0"/>
+                <a:cs typeface="Calibri" panose="020F0502020204030204" pitchFamily="34" charset="0"/>
+              </a:rPr>
+              <a:t>Language</a:t>
+            </a:r>
+          </a:p>
+          <a:p>
+            <a:pPr lvl="1"/>
+            <a:r>
+              <a:rPr lang="en-US" sz="1800" dirty="0">
+                <a:latin typeface="Calibri" panose="020F0502020204030204" pitchFamily="34" charset="0"/>
+                <a:cs typeface="Calibri" panose="020F0502020204030204" pitchFamily="34" charset="0"/>
+              </a:rPr>
+              <a:t>Database</a:t>
+            </a:r>
+          </a:p>
+          <a:p>
+            <a:pPr lvl="1"/>
+            <a:r>
+              <a:rPr lang="en-US" sz="1800" dirty="0">
+                <a:latin typeface="Calibri" panose="020F0502020204030204" pitchFamily="34" charset="0"/>
+                <a:cs typeface="Calibri" panose="020F0502020204030204" pitchFamily="34" charset="0"/>
+              </a:rPr>
+              <a:t>Platform</a:t>
+            </a:r>
+          </a:p>
+          <a:p>
+            <a:pPr lvl="1"/>
+            <a:r>
+              <a:rPr lang="en-US" sz="1800" dirty="0">
+                <a:latin typeface="Calibri" panose="020F0502020204030204" pitchFamily="34" charset="0"/>
+                <a:cs typeface="Calibri" panose="020F0502020204030204" pitchFamily="34" charset="0"/>
+              </a:rPr>
+              <a:t>Web Frameworks</a:t>
+            </a:r>
+          </a:p>
+          <a:p>
+            <a:r>
+              <a:rPr lang="en-US" sz="2000" b="1" dirty="0">
+                <a:latin typeface="Calibri" panose="020F0502020204030204" pitchFamily="34" charset="0"/>
+                <a:cs typeface="Calibri" panose="020F0502020204030204" pitchFamily="34" charset="0"/>
+              </a:rPr>
+              <a:t>Demographic Trends By:</a:t>
+            </a:r>
+          </a:p>
+          <a:p>
+            <a:pPr lvl="1"/>
+            <a:r>
+              <a:rPr lang="en-US" sz="1800" dirty="0">
+                <a:latin typeface="Calibri" panose="020F0502020204030204" pitchFamily="34" charset="0"/>
+                <a:cs typeface="Calibri" panose="020F0502020204030204" pitchFamily="34" charset="0"/>
+              </a:rPr>
+              <a:t>Age</a:t>
+            </a:r>
+          </a:p>
+          <a:p>
+            <a:pPr lvl="1"/>
+            <a:r>
+              <a:rPr lang="en-US" sz="1800" dirty="0">
+                <a:latin typeface="Calibri" panose="020F0502020204030204" pitchFamily="34" charset="0"/>
+                <a:cs typeface="Calibri" panose="020F0502020204030204" pitchFamily="34" charset="0"/>
+              </a:rPr>
+              <a:t>Gender </a:t>
+            </a:r>
+          </a:p>
+          <a:p>
+            <a:pPr lvl="1"/>
+            <a:r>
+              <a:rPr lang="en-US" sz="1800" dirty="0">
+                <a:latin typeface="Calibri" panose="020F0502020204030204" pitchFamily="34" charset="0"/>
+                <a:cs typeface="Calibri" panose="020F0502020204030204" pitchFamily="34" charset="0"/>
+              </a:rPr>
+              <a:t>Education</a:t>
+            </a:r>
+          </a:p>
+          <a:p>
+            <a:r>
+              <a:rPr lang="en-US" sz="2000" b="1" dirty="0">
+                <a:latin typeface="Calibri" panose="020F0502020204030204" pitchFamily="34" charset="0"/>
+                <a:cs typeface="Calibri" panose="020F0502020204030204" pitchFamily="34" charset="0"/>
+              </a:rPr>
+              <a:t>Key Findings</a:t>
+            </a:r>
+          </a:p>
+          <a:p>
+            <a:pPr lvl="1"/>
+            <a:endParaRPr lang="en-US" sz="1800" dirty="0">
               <a:latin typeface="Calibri" panose="020F0502020204030204" pitchFamily="34" charset="0"/>
               <a:cs typeface="Calibri" panose="020F0502020204030204" pitchFamily="34" charset="0"/>
             </a:endParaRPr>
           </a:p>
           <a:p>
-            <a:r>
-              <a:rPr lang="en-US" sz="2200" dirty="0">
-                <a:latin typeface="Calibri" panose="020F0502020204030204" pitchFamily="34" charset="0"/>
-                <a:cs typeface="Calibri" panose="020F0502020204030204" pitchFamily="34" charset="0"/>
-              </a:rPr>
-              <a:t>Analyzing the data and identifying insights and trends including:</a:t>
-            </a:r>
+            <a:endParaRPr lang="en-US" sz="2400" dirty="0">
+              <a:latin typeface="Calibri" panose="020F0502020204030204" pitchFamily="34" charset="0"/>
+              <a:cs typeface="Calibri" panose="020F0502020204030204" pitchFamily="34" charset="0"/>
+            </a:endParaRPr>
           </a:p>
           <a:p>
             <a:pPr lvl="1"/>
-            <a:r>
-              <a:rPr lang="en-US" sz="1800" dirty="0">
-                <a:latin typeface="Calibri" panose="020F0502020204030204" pitchFamily="34" charset="0"/>
-                <a:cs typeface="Calibri" panose="020F0502020204030204" pitchFamily="34" charset="0"/>
-              </a:rPr>
-              <a:t>The top programming languages in demand</a:t>
-            </a:r>
-          </a:p>
-          <a:p>
-            <a:pPr lvl="1"/>
-            <a:r>
-              <a:rPr lang="en-US" sz="1800" dirty="0">
-                <a:latin typeface="Calibri" panose="020F0502020204030204" pitchFamily="34" charset="0"/>
-                <a:cs typeface="Calibri" panose="020F0502020204030204" pitchFamily="34" charset="0"/>
-              </a:rPr>
-              <a:t>The top database skills in demand</a:t>
-            </a:r>
-          </a:p>
-          <a:p>
-            <a:pPr lvl="1"/>
-            <a:r>
-              <a:rPr lang="en-US" sz="1800" dirty="0">
-                <a:latin typeface="Calibri" panose="020F0502020204030204" pitchFamily="34" charset="0"/>
-                <a:cs typeface="Calibri" panose="020F0502020204030204" pitchFamily="34" charset="0"/>
-              </a:rPr>
-              <a:t>The popular IDEs</a:t>
-            </a:r>
-          </a:p>
-          <a:p>
-            <a:r>
-              <a:rPr lang="en-US" sz="2200" dirty="0">
-                <a:latin typeface="Calibri" panose="020F0502020204030204" pitchFamily="34" charset="0"/>
-                <a:cs typeface="Calibri" panose="020F0502020204030204" pitchFamily="34" charset="0"/>
-              </a:rPr>
-              <a:t>Building dashboards to visualize insights and trends to bring findings for developers, recruiters, educators, and policymakers</a:t>
-            </a:r>
-          </a:p>
-          <a:p>
-            <a:pPr lvl="1"/>
-            <a:endParaRPr lang="en-US" sz="1800" dirty="0"/>
+            <a:endParaRPr lang="en-US" dirty="0"/>
           </a:p>
         </p:txBody>
       </p:sp>
     </p:spTree>
     <p:extLst>
       <p:ext uri="{BB962C8B-B14F-4D97-AF65-F5344CB8AC3E}">
-        <p14:creationId xmlns:p14="http://schemas.microsoft.com/office/powerpoint/2010/main" val="710623681"/>
+        <p14:creationId xmlns:p14="http://schemas.microsoft.com/office/powerpoint/2010/main" val="2490943502"/>
+      </p:ext>
+    </p:extLst>
+  </p:cSld>
+  <p:clrMapOvr>
+    <a:masterClrMapping/>
+  </p:clrMapOvr>
+</p:sld>
+</file>
+
+<file path=ppt/slides/slide4.xml><?xml version="1.0" encoding="utf-8"?>
+<p:sld xmlns:a="http://schemas.openxmlformats.org/drawingml/2006/main" xmlns:r="http://schemas.openxmlformats.org/officeDocument/2006/relationships" xmlns:p="http://schemas.openxmlformats.org/presentationml/2006/main">
+  <p:cSld>
+    <p:spTree>
+      <p:nvGrpSpPr>
+        <p:cNvPr id="1" name=""/>
+        <p:cNvGrpSpPr/>
+        <p:nvPr/>
+      </p:nvGrpSpPr>
+      <p:grpSpPr>
+        <a:xfrm>
+          <a:off x="0" y="0"/>
+          <a:ext cx="0" cy="0"/>
+          <a:chOff x="0" y="0"/>
+          <a:chExt cx="0" cy="0"/>
+        </a:xfrm>
+      </p:grpSpPr>
+      <p:sp>
+        <p:nvSpPr>
+          <p:cNvPr id="2" name="Title 1">
+            <a:extLst>
+              <a:ext uri="{FF2B5EF4-FFF2-40B4-BE49-F238E27FC236}">
+                <a16:creationId xmlns:a16="http://schemas.microsoft.com/office/drawing/2014/main" id="{2873BEC0-94F5-4226-A9E7-51B66045EF49}"/>
+              </a:ext>
+            </a:extLst>
+          </p:cNvPr>
+          <p:cNvSpPr>
+            <a:spLocks noGrp="1"/>
+          </p:cNvSpPr>
+          <p:nvPr>
+            <p:ph type="title"/>
+          </p:nvPr>
+        </p:nvSpPr>
+        <p:spPr>
+          <a:xfrm>
+            <a:off x="733926" y="304965"/>
+            <a:ext cx="8565109" cy="1325563"/>
+          </a:xfrm>
+        </p:spPr>
+        <p:txBody>
+          <a:bodyPr anchor="ctr">
+            <a:normAutofit/>
+          </a:bodyPr>
+          <a:lstStyle/>
+          <a:p>
+            <a:r>
+              <a:rPr lang="en-US" b="1" dirty="0">
+                <a:latin typeface="Calibri" panose="020F0502020204030204" pitchFamily="34" charset="0"/>
+                <a:cs typeface="Calibri" panose="020F0502020204030204" pitchFamily="34" charset="0"/>
+              </a:rPr>
+              <a:t>INTRODUCTION</a:t>
+            </a:r>
+          </a:p>
+        </p:txBody>
+      </p:sp>
+      <p:sp>
+        <p:nvSpPr>
+          <p:cNvPr id="3" name="Content Placeholder 2">
+            <a:extLst>
+              <a:ext uri="{FF2B5EF4-FFF2-40B4-BE49-F238E27FC236}">
+                <a16:creationId xmlns:a16="http://schemas.microsoft.com/office/drawing/2014/main" id="{902FD5C4-FE5F-46D2-ABC9-49FA4BB8442F}"/>
+              </a:ext>
+            </a:extLst>
+          </p:cNvPr>
+          <p:cNvSpPr>
+            <a:spLocks noGrp="1"/>
+          </p:cNvSpPr>
+          <p:nvPr>
+            <p:ph sz="half" idx="2"/>
+          </p:nvPr>
+        </p:nvSpPr>
+        <p:spPr>
+          <a:xfrm>
+            <a:off x="4660213" y="1443979"/>
+            <a:ext cx="6797861" cy="4792698"/>
+          </a:xfrm>
+        </p:spPr>
+        <p:txBody>
+          <a:bodyPr>
+            <a:normAutofit lnSpcReduction="10000"/>
+          </a:bodyPr>
+          <a:lstStyle/>
+          <a:p>
+            <a:r>
+              <a:rPr lang="en-US" sz="2200" b="1" dirty="0">
+                <a:latin typeface="Calibri" panose="020F0502020204030204" pitchFamily="34" charset="0"/>
+                <a:cs typeface="Calibri" panose="020F0502020204030204" pitchFamily="34" charset="0"/>
+              </a:rPr>
+              <a:t>Identifying technology trends for future skill requirements. </a:t>
+            </a:r>
+          </a:p>
+          <a:p>
+            <a:r>
+              <a:rPr lang="en-US" sz="2200" b="1" dirty="0">
+                <a:latin typeface="Calibri" panose="020F0502020204030204" pitchFamily="34" charset="0"/>
+                <a:cs typeface="Calibri" panose="020F0502020204030204" pitchFamily="34" charset="0"/>
+              </a:rPr>
+              <a:t>Collecting data from various sources and identifying trends for this year's report on emerging skills from:</a:t>
+            </a:r>
+          </a:p>
+          <a:p>
+            <a:pPr lvl="1"/>
+            <a:r>
+              <a:rPr lang="en-US" sz="1800" dirty="0">
+                <a:latin typeface="Calibri" panose="020F0502020204030204" pitchFamily="34" charset="0"/>
+                <a:cs typeface="Calibri" panose="020F0502020204030204" pitchFamily="34" charset="0"/>
+              </a:rPr>
+              <a:t>Job postings</a:t>
+            </a:r>
+          </a:p>
+          <a:p>
+            <a:pPr lvl="1"/>
+            <a:r>
+              <a:rPr lang="en-US" sz="1800" dirty="0">
+                <a:latin typeface="Calibri" panose="020F0502020204030204" pitchFamily="34" charset="0"/>
+                <a:cs typeface="Calibri" panose="020F0502020204030204" pitchFamily="34" charset="0"/>
+              </a:rPr>
+              <a:t>Training portals</a:t>
+            </a:r>
+          </a:p>
+          <a:p>
+            <a:pPr lvl="1"/>
+            <a:r>
+              <a:rPr lang="en-US" sz="1800" dirty="0">
+                <a:latin typeface="Calibri" panose="020F0502020204030204" pitchFamily="34" charset="0"/>
+                <a:cs typeface="Calibri" panose="020F0502020204030204" pitchFamily="34" charset="0"/>
+              </a:rPr>
+              <a:t>Surveys</a:t>
+            </a:r>
+            <a:endParaRPr lang="en-US" sz="2200" dirty="0">
+              <a:latin typeface="Calibri" panose="020F0502020204030204" pitchFamily="34" charset="0"/>
+              <a:cs typeface="Calibri" panose="020F0502020204030204" pitchFamily="34" charset="0"/>
+            </a:endParaRPr>
+          </a:p>
+          <a:p>
+            <a:r>
+              <a:rPr lang="en-US" sz="2200" b="1" dirty="0">
+                <a:latin typeface="Calibri" panose="020F0502020204030204" pitchFamily="34" charset="0"/>
+                <a:cs typeface="Calibri" panose="020F0502020204030204" pitchFamily="34" charset="0"/>
+              </a:rPr>
+              <a:t>Analyzing the data and identifying insights and trends including:</a:t>
+            </a:r>
+          </a:p>
+          <a:p>
+            <a:pPr lvl="1"/>
+            <a:r>
+              <a:rPr lang="en-US" sz="1800" dirty="0">
+                <a:latin typeface="Calibri" panose="020F0502020204030204" pitchFamily="34" charset="0"/>
+                <a:cs typeface="Calibri" panose="020F0502020204030204" pitchFamily="34" charset="0"/>
+              </a:rPr>
+              <a:t>The top programming languages in demand</a:t>
+            </a:r>
+          </a:p>
+          <a:p>
+            <a:pPr lvl="1"/>
+            <a:r>
+              <a:rPr lang="en-US" sz="1800" dirty="0">
+                <a:latin typeface="Calibri" panose="020F0502020204030204" pitchFamily="34" charset="0"/>
+                <a:cs typeface="Calibri" panose="020F0502020204030204" pitchFamily="34" charset="0"/>
+              </a:rPr>
+              <a:t>The top database skills in demand</a:t>
+            </a:r>
+          </a:p>
+          <a:p>
+            <a:pPr lvl="1"/>
+            <a:r>
+              <a:rPr lang="en-US" sz="1800" dirty="0">
+                <a:latin typeface="Calibri" panose="020F0502020204030204" pitchFamily="34" charset="0"/>
+                <a:cs typeface="Calibri" panose="020F0502020204030204" pitchFamily="34" charset="0"/>
+              </a:rPr>
+              <a:t>The popular IDEs</a:t>
+            </a:r>
+          </a:p>
+          <a:p>
+            <a:r>
+              <a:rPr lang="en-US" sz="2200" b="1" dirty="0">
+                <a:latin typeface="Calibri" panose="020F0502020204030204" pitchFamily="34" charset="0"/>
+                <a:cs typeface="Calibri" panose="020F0502020204030204" pitchFamily="34" charset="0"/>
+              </a:rPr>
+              <a:t>Building dashboards to visualize insights and trends to bring findings for developers, recruiters, educators, and policymakers</a:t>
+            </a:r>
+          </a:p>
+        </p:txBody>
+      </p:sp>
+      <p:pic>
+        <p:nvPicPr>
+          <p:cNvPr id="5" name="Picture 4">
+            <a:extLst>
+              <a:ext uri="{FF2B5EF4-FFF2-40B4-BE49-F238E27FC236}">
+                <a16:creationId xmlns:a16="http://schemas.microsoft.com/office/drawing/2014/main" id="{65078B9B-93A7-4517-9E78-2F5C028F2238}"/>
+              </a:ext>
+            </a:extLst>
+          </p:cNvPr>
+          <p:cNvPicPr>
+            <a:picLocks noChangeAspect="1"/>
+          </p:cNvPicPr>
+          <p:nvPr/>
+        </p:nvPicPr>
+        <p:blipFill>
+          <a:blip r:embed="rId3"/>
+          <a:stretch>
+            <a:fillRect/>
+          </a:stretch>
+        </p:blipFill>
+        <p:spPr>
+          <a:xfrm>
+            <a:off x="1090494" y="2302762"/>
+            <a:ext cx="3194581" cy="3194581"/>
+          </a:xfrm>
+          <a:prstGeom prst="rect">
+            <a:avLst/>
+          </a:prstGeom>
+        </p:spPr>
+      </p:pic>
+    </p:spTree>
+    <p:extLst>
+      <p:ext uri="{BB962C8B-B14F-4D97-AF65-F5344CB8AC3E}">
+        <p14:creationId xmlns:p14="http://schemas.microsoft.com/office/powerpoint/2010/main" val="3083623366"/>
       </p:ext>
     </p:extLst>
   </p:cSld>
@@ -8986,7 +9921,10 @@
           <a:lstStyle/>
           <a:p>
             <a:r>
-              <a:rPr lang="en-US" dirty="0"/>
+              <a:rPr lang="en-US" b="1" dirty="0">
+                <a:latin typeface="Calibri" panose="020F0502020204030204" pitchFamily="34" charset="0"/>
+                <a:cs typeface="Calibri" panose="020F0502020204030204" pitchFamily="34" charset="0"/>
+              </a:rPr>
               <a:t>METHODOLOGY</a:t>
             </a:r>
           </a:p>
@@ -9010,8 +9948,8 @@
         </p:nvSpPr>
         <p:spPr>
           <a:xfrm>
-            <a:off x="4285075" y="1825625"/>
-            <a:ext cx="7068725" cy="4351338"/>
+            <a:off x="5074403" y="1702205"/>
+            <a:ext cx="6335544" cy="4351338"/>
           </a:xfrm>
         </p:spPr>
         <p:txBody>
@@ -9021,40 +9959,71 @@
           <a:lstStyle/>
           <a:p>
             <a:r>
-              <a:rPr lang="en-US" sz="2200" dirty="0"/>
-              <a:t>Point1</a:t>
-            </a:r>
-          </a:p>
-          <a:p>
-            <a:r>
-              <a:rPr lang="en-US" sz="2200" dirty="0"/>
-              <a:t>Point2</a:t>
-            </a:r>
-          </a:p>
-          <a:p>
-            <a:r>
-              <a:rPr lang="en-US" sz="2200" dirty="0"/>
-              <a:t>Point3</a:t>
-            </a:r>
-          </a:p>
-          <a:p>
-            <a:r>
-              <a:rPr lang="en-US" sz="2200" dirty="0"/>
-              <a:t>Point4</a:t>
-            </a:r>
-          </a:p>
-          <a:p>
-            <a:pPr lvl="1"/>
-            <a:r>
-              <a:rPr lang="en-US" sz="1800" dirty="0"/>
-              <a:t>Sub Point1</a:t>
-            </a:r>
-          </a:p>
-          <a:p>
-            <a:pPr lvl="1"/>
-            <a:r>
-              <a:rPr lang="en-US" sz="1800" dirty="0"/>
-              <a:t>Sub Point2</a:t>
+              <a:rPr lang="en-US" sz="2400" b="1" dirty="0">
+                <a:latin typeface="Calibri" panose="020F0502020204030204" pitchFamily="34" charset="0"/>
+                <a:cs typeface="Calibri" panose="020F0502020204030204" pitchFamily="34" charset="0"/>
+              </a:rPr>
+              <a:t>Data Sourcing and Collection</a:t>
+            </a:r>
+          </a:p>
+          <a:p>
+            <a:endParaRPr lang="en-US" sz="2400" b="1" dirty="0">
+              <a:latin typeface="Calibri" panose="020F0502020204030204" pitchFamily="34" charset="0"/>
+              <a:cs typeface="Calibri" panose="020F0502020204030204" pitchFamily="34" charset="0"/>
+            </a:endParaRPr>
+          </a:p>
+          <a:p>
+            <a:r>
+              <a:rPr lang="en-US" sz="2400" b="1" dirty="0">
+                <a:latin typeface="Calibri" panose="020F0502020204030204" pitchFamily="34" charset="0"/>
+                <a:cs typeface="Calibri" panose="020F0502020204030204" pitchFamily="34" charset="0"/>
+              </a:rPr>
+              <a:t>Data Wrangling and Cleaning</a:t>
+            </a:r>
+          </a:p>
+          <a:p>
+            <a:endParaRPr lang="en-US" sz="2400" b="1" dirty="0">
+              <a:latin typeface="Calibri" panose="020F0502020204030204" pitchFamily="34" charset="0"/>
+              <a:cs typeface="Calibri" panose="020F0502020204030204" pitchFamily="34" charset="0"/>
+            </a:endParaRPr>
+          </a:p>
+          <a:p>
+            <a:r>
+              <a:rPr lang="en-US" sz="2400" b="1" dirty="0">
+                <a:latin typeface="Calibri" panose="020F0502020204030204" pitchFamily="34" charset="0"/>
+                <a:cs typeface="Calibri" panose="020F0502020204030204" pitchFamily="34" charset="0"/>
+              </a:rPr>
+              <a:t>Exploratory Data Analysis</a:t>
+            </a:r>
+          </a:p>
+          <a:p>
+            <a:endParaRPr lang="en-US" sz="2400" b="1" dirty="0">
+              <a:latin typeface="Calibri" panose="020F0502020204030204" pitchFamily="34" charset="0"/>
+              <a:cs typeface="Calibri" panose="020F0502020204030204" pitchFamily="34" charset="0"/>
+            </a:endParaRPr>
+          </a:p>
+          <a:p>
+            <a:r>
+              <a:rPr lang="en-US" sz="2400" b="1" dirty="0">
+                <a:latin typeface="Calibri" panose="020F0502020204030204" pitchFamily="34" charset="0"/>
+                <a:cs typeface="Calibri" panose="020F0502020204030204" pitchFamily="34" charset="0"/>
+              </a:rPr>
+              <a:t>Data Visualization and Comparison</a:t>
+            </a:r>
+          </a:p>
+          <a:p>
+            <a:endParaRPr lang="en-US" sz="2400" b="1" dirty="0">
+              <a:latin typeface="Calibri" panose="020F0502020204030204" pitchFamily="34" charset="0"/>
+              <a:cs typeface="Calibri" panose="020F0502020204030204" pitchFamily="34" charset="0"/>
+            </a:endParaRPr>
+          </a:p>
+          <a:p>
+            <a:r>
+              <a:rPr lang="en-US" sz="2400" b="1" dirty="0">
+                <a:latin typeface="Calibri" panose="020F0502020204030204" pitchFamily="34" charset="0"/>
+                <a:cs typeface="Calibri" panose="020F0502020204030204" pitchFamily="34" charset="0"/>
+              </a:rPr>
+              <a:t>Dashboards by IBM Cognos Analytics</a:t>
             </a:r>
           </a:p>
         </p:txBody>
@@ -9148,8 +10117,11 @@
           <a:lstStyle/>
           <a:p>
             <a:r>
-              <a:rPr lang="en-US" dirty="0"/>
-              <a:t>RESULTS</a:t>
+              <a:rPr lang="en-US" b="1" dirty="0">
+                <a:latin typeface="Calibri" panose="020F0502020204030204" pitchFamily="34" charset="0"/>
+                <a:cs typeface="Calibri" panose="020F0502020204030204" pitchFamily="34" charset="0"/>
+              </a:rPr>
+              <a:t>RESULTS OVERVIEW</a:t>
             </a:r>
           </a:p>
         </p:txBody>
@@ -9201,142 +10173,12 @@
           </a:p>
         </p:txBody>
       </p:sp>
-    </p:spTree>
-    <p:extLst>
-      <p:ext uri="{BB962C8B-B14F-4D97-AF65-F5344CB8AC3E}">
-        <p14:creationId xmlns:p14="http://schemas.microsoft.com/office/powerpoint/2010/main" val="1464666480"/>
-      </p:ext>
-    </p:extLst>
-  </p:cSld>
-  <p:clrMapOvr>
-    <a:masterClrMapping/>
-  </p:clrMapOvr>
-</p:sld>
-</file>
-
-<file path=ppt/slides/slide7.xml><?xml version="1.0" encoding="utf-8"?>
-<p:sld xmlns:a="http://schemas.openxmlformats.org/drawingml/2006/main" xmlns:r="http://schemas.openxmlformats.org/officeDocument/2006/relationships" xmlns:p="http://schemas.openxmlformats.org/presentationml/2006/main">
-  <p:cSld>
-    <p:spTree>
-      <p:nvGrpSpPr>
-        <p:cNvPr id="1" name=""/>
-        <p:cNvGrpSpPr/>
-        <p:nvPr/>
-      </p:nvGrpSpPr>
-      <p:grpSpPr>
-        <a:xfrm>
-          <a:off x="0" y="0"/>
-          <a:ext cx="0" cy="0"/>
-          <a:chOff x="0" y="0"/>
-          <a:chExt cx="0" cy="0"/>
-        </a:xfrm>
-      </p:grpSpPr>
       <p:sp>
         <p:nvSpPr>
-          <p:cNvPr id="2" name="Title 1">
+          <p:cNvPr id="4" name="Content Placeholder 2">
             <a:extLst>
               <a:ext uri="{FF2B5EF4-FFF2-40B4-BE49-F238E27FC236}">
-                <a16:creationId xmlns:a16="http://schemas.microsoft.com/office/drawing/2014/main" id="{65C3525F-7CB4-4C06-B037-C81D2DED9B80}"/>
-              </a:ext>
-            </a:extLst>
-          </p:cNvPr>
-          <p:cNvSpPr>
-            <a:spLocks noGrp="1"/>
-          </p:cNvSpPr>
-          <p:nvPr>
-            <p:ph type="title"/>
-          </p:nvPr>
-        </p:nvSpPr>
-        <p:spPr/>
-        <p:txBody>
-          <a:bodyPr/>
-          <a:lstStyle/>
-          <a:p>
-            <a:r>
-              <a:rPr lang="en-US" dirty="0"/>
-              <a:t>PROGRAMMING LANGUAGE TRENDS</a:t>
-            </a:r>
-          </a:p>
-        </p:txBody>
-      </p:sp>
-      <p:sp>
-        <p:nvSpPr>
-          <p:cNvPr id="3" name="Content Placeholder 2">
-            <a:extLst>
-              <a:ext uri="{FF2B5EF4-FFF2-40B4-BE49-F238E27FC236}">
-                <a16:creationId xmlns:a16="http://schemas.microsoft.com/office/drawing/2014/main" id="{E4FC0D20-FACF-4D73-BD27-CF8F6B97546A}"/>
-              </a:ext>
-            </a:extLst>
-          </p:cNvPr>
-          <p:cNvSpPr>
-            <a:spLocks noGrp="1"/>
-          </p:cNvSpPr>
-          <p:nvPr>
-            <p:ph sz="half" idx="1"/>
-          </p:nvPr>
-        </p:nvSpPr>
-        <p:spPr>
-          <a:xfrm>
-            <a:off x="813816" y="1825625"/>
-            <a:ext cx="2228642" cy="501939"/>
-          </a:xfrm>
-        </p:spPr>
-        <p:txBody>
-          <a:bodyPr/>
-          <a:lstStyle/>
-          <a:p>
-            <a:pPr marL="0" indent="0">
-              <a:buNone/>
-            </a:pPr>
-            <a:r>
-              <a:rPr lang="en-US" dirty="0"/>
-              <a:t>Current Year</a:t>
-            </a:r>
-          </a:p>
-        </p:txBody>
-      </p:sp>
-      <p:sp>
-        <p:nvSpPr>
-          <p:cNvPr id="4" name="Content Placeholder 3">
-            <a:extLst>
-              <a:ext uri="{FF2B5EF4-FFF2-40B4-BE49-F238E27FC236}">
-                <a16:creationId xmlns:a16="http://schemas.microsoft.com/office/drawing/2014/main" id="{ACA6A89D-097D-4968-A07A-39A5B4F78A62}"/>
-              </a:ext>
-            </a:extLst>
-          </p:cNvPr>
-          <p:cNvSpPr>
-            <a:spLocks noGrp="1"/>
-          </p:cNvSpPr>
-          <p:nvPr>
-            <p:ph sz="half" idx="2"/>
-          </p:nvPr>
-        </p:nvSpPr>
-        <p:spPr>
-          <a:xfrm>
-            <a:off x="6172200" y="1825625"/>
-            <a:ext cx="1758142" cy="501939"/>
-          </a:xfrm>
-        </p:spPr>
-        <p:txBody>
-          <a:bodyPr/>
-          <a:lstStyle/>
-          <a:p>
-            <a:pPr marL="0" indent="0">
-              <a:buNone/>
-            </a:pPr>
-            <a:r>
-              <a:rPr lang="en-US" dirty="0"/>
-              <a:t>Next Year</a:t>
-            </a:r>
-          </a:p>
-        </p:txBody>
-      </p:sp>
-      <p:sp>
-        <p:nvSpPr>
-          <p:cNvPr id="8" name="Content Placeholder 2">
-            <a:extLst>
-              <a:ext uri="{FF2B5EF4-FFF2-40B4-BE49-F238E27FC236}">
-                <a16:creationId xmlns:a16="http://schemas.microsoft.com/office/drawing/2014/main" id="{D13C2F43-A283-4FD4-9C0D-BFF93C50AC01}"/>
+                <a16:creationId xmlns:a16="http://schemas.microsoft.com/office/drawing/2014/main" id="{067C07E2-3F60-CBA3-8548-786195A1B6C7}"/>
               </a:ext>
             </a:extLst>
           </p:cNvPr>
@@ -9347,8 +10189,8 @@
         </p:nvSpPr>
         <p:spPr>
           <a:xfrm>
-            <a:off x="838199" y="2506661"/>
-            <a:ext cx="4614949" cy="3670301"/>
+            <a:off x="1209675" y="1702205"/>
+            <a:ext cx="7839075" cy="4351338"/>
           </a:xfrm>
           <a:prstGeom prst="rect">
             <a:avLst/>
@@ -9523,218 +10365,275 @@
             </a:lvl9pPr>
           </a:lstStyle>
           <a:p>
-            <a:pPr marL="0" indent="0">
-              <a:buNone/>
-            </a:pPr>
-            <a:r>
-              <a:rPr lang="en-US" sz="2200" dirty="0"/>
-              <a:t>&lt;Bar chart of top 5 programming languages for the current year goes here.&gt;</a:t>
+            <a:r>
+              <a:rPr lang="en-US" sz="2400" b="1" dirty="0">
+                <a:latin typeface="Calibri" panose="020F0502020204030204" pitchFamily="34" charset="0"/>
+                <a:cs typeface="Calibri" panose="020F0502020204030204" pitchFamily="34" charset="0"/>
+              </a:rPr>
+              <a:t>Programming Language Trends </a:t>
+            </a:r>
+          </a:p>
+          <a:p>
+            <a:endParaRPr lang="en-US" sz="2400" b="1" dirty="0">
+              <a:latin typeface="Calibri" panose="020F0502020204030204" pitchFamily="34" charset="0"/>
+              <a:cs typeface="Calibri" panose="020F0502020204030204" pitchFamily="34" charset="0"/>
+            </a:endParaRPr>
+          </a:p>
+          <a:p>
+            <a:r>
+              <a:rPr lang="en-US" sz="2400" b="1" dirty="0">
+                <a:latin typeface="Calibri" panose="020F0502020204030204" pitchFamily="34" charset="0"/>
+                <a:cs typeface="Calibri" panose="020F0502020204030204" pitchFamily="34" charset="0"/>
+              </a:rPr>
+              <a:t>Database Management Systems Trends</a:t>
+            </a:r>
+          </a:p>
+          <a:p>
+            <a:endParaRPr lang="en-US" sz="2400" b="1" dirty="0">
+              <a:latin typeface="Calibri" panose="020F0502020204030204" pitchFamily="34" charset="0"/>
+              <a:cs typeface="Calibri" panose="020F0502020204030204" pitchFamily="34" charset="0"/>
+            </a:endParaRPr>
+          </a:p>
+          <a:p>
+            <a:r>
+              <a:rPr lang="en-US" sz="2400" b="1" dirty="0">
+                <a:latin typeface="Calibri" panose="020F0502020204030204" pitchFamily="34" charset="0"/>
+                <a:cs typeface="Calibri" panose="020F0502020204030204" pitchFamily="34" charset="0"/>
+              </a:rPr>
+              <a:t>Software Platform Technology Trends</a:t>
+            </a:r>
+          </a:p>
+          <a:p>
+            <a:endParaRPr lang="en-US" sz="2400" b="1" dirty="0">
+              <a:latin typeface="Calibri" panose="020F0502020204030204" pitchFamily="34" charset="0"/>
+              <a:cs typeface="Calibri" panose="020F0502020204030204" pitchFamily="34" charset="0"/>
+            </a:endParaRPr>
+          </a:p>
+          <a:p>
+            <a:r>
+              <a:rPr lang="en-US" sz="2400" b="1" dirty="0">
+                <a:latin typeface="Calibri" panose="020F0502020204030204" pitchFamily="34" charset="0"/>
+                <a:cs typeface="Calibri" panose="020F0502020204030204" pitchFamily="34" charset="0"/>
+              </a:rPr>
+              <a:t>Software Framework Technology Trends</a:t>
+            </a:r>
+          </a:p>
+          <a:p>
+            <a:endParaRPr lang="en-US" sz="2400" b="1" dirty="0">
+              <a:latin typeface="Calibri" panose="020F0502020204030204" pitchFamily="34" charset="0"/>
+              <a:cs typeface="Calibri" panose="020F0502020204030204" pitchFamily="34" charset="0"/>
+            </a:endParaRPr>
+          </a:p>
+          <a:p>
+            <a:r>
+              <a:rPr lang="en-US" sz="2400" b="1" dirty="0">
+                <a:latin typeface="Calibri" panose="020F0502020204030204" pitchFamily="34" charset="0"/>
+                <a:cs typeface="Calibri" panose="020F0502020204030204" pitchFamily="34" charset="0"/>
+              </a:rPr>
+              <a:t>Demographic Trends</a:t>
+            </a:r>
+          </a:p>
+        </p:txBody>
+      </p:sp>
+    </p:spTree>
+    <p:extLst>
+      <p:ext uri="{BB962C8B-B14F-4D97-AF65-F5344CB8AC3E}">
+        <p14:creationId xmlns:p14="http://schemas.microsoft.com/office/powerpoint/2010/main" val="1464666480"/>
+      </p:ext>
+    </p:extLst>
+  </p:cSld>
+  <p:clrMapOvr>
+    <a:masterClrMapping/>
+  </p:clrMapOvr>
+</p:sld>
+</file>
+
+<file path=ppt/slides/slide7.xml><?xml version="1.0" encoding="utf-8"?>
+<p:sld xmlns:a="http://schemas.openxmlformats.org/drawingml/2006/main" xmlns:r="http://schemas.openxmlformats.org/officeDocument/2006/relationships" xmlns:p="http://schemas.openxmlformats.org/presentationml/2006/main">
+  <p:cSld>
+    <p:spTree>
+      <p:nvGrpSpPr>
+        <p:cNvPr id="1" name=""/>
+        <p:cNvGrpSpPr/>
+        <p:nvPr/>
+      </p:nvGrpSpPr>
+      <p:grpSpPr>
+        <a:xfrm>
+          <a:off x="0" y="0"/>
+          <a:ext cx="0" cy="0"/>
+          <a:chOff x="0" y="0"/>
+          <a:chExt cx="0" cy="0"/>
+        </a:xfrm>
+      </p:grpSpPr>
+      <p:sp>
+        <p:nvSpPr>
+          <p:cNvPr id="2" name="Title 1">
+            <a:extLst>
+              <a:ext uri="{FF2B5EF4-FFF2-40B4-BE49-F238E27FC236}">
+                <a16:creationId xmlns:a16="http://schemas.microsoft.com/office/drawing/2014/main" id="{65C3525F-7CB4-4C06-B037-C81D2DED9B80}"/>
+              </a:ext>
+            </a:extLst>
+          </p:cNvPr>
+          <p:cNvSpPr>
+            <a:spLocks noGrp="1"/>
+          </p:cNvSpPr>
+          <p:nvPr>
+            <p:ph type="title"/>
+          </p:nvPr>
+        </p:nvSpPr>
+        <p:spPr/>
+        <p:txBody>
+          <a:bodyPr/>
+          <a:lstStyle/>
+          <a:p>
+            <a:r>
+              <a:rPr lang="en-US" b="1" dirty="0">
+                <a:latin typeface="Calibri" panose="020F0502020204030204" pitchFamily="34" charset="0"/>
+                <a:cs typeface="Calibri" panose="020F0502020204030204" pitchFamily="34" charset="0"/>
+              </a:rPr>
+              <a:t>PROGRAMMING LANGUAGE TRENDS</a:t>
             </a:r>
           </a:p>
         </p:txBody>
       </p:sp>
       <p:sp>
         <p:nvSpPr>
-          <p:cNvPr id="10" name="Content Placeholder 2">
+          <p:cNvPr id="3" name="Content Placeholder 2">
             <a:extLst>
               <a:ext uri="{FF2B5EF4-FFF2-40B4-BE49-F238E27FC236}">
-                <a16:creationId xmlns:a16="http://schemas.microsoft.com/office/drawing/2014/main" id="{AE706D50-7D14-4DB8-BE17-5497AA1715EE}"/>
+                <a16:creationId xmlns:a16="http://schemas.microsoft.com/office/drawing/2014/main" id="{E4FC0D20-FACF-4D73-BD27-CF8F6B97546A}"/>
               </a:ext>
             </a:extLst>
           </p:cNvPr>
-          <p:cNvSpPr txBox="1">
-            <a:spLocks/>
+          <p:cNvSpPr>
+            <a:spLocks noGrp="1"/>
           </p:cNvSpPr>
-          <p:nvPr/>
+          <p:nvPr>
+            <p:ph sz="half" idx="1"/>
+          </p:nvPr>
         </p:nvSpPr>
         <p:spPr>
           <a:xfrm>
-            <a:off x="6172200" y="2506661"/>
-            <a:ext cx="4614949" cy="3670301"/>
+            <a:off x="813816" y="1825625"/>
+            <a:ext cx="2228642" cy="501939"/>
+          </a:xfrm>
+        </p:spPr>
+        <p:txBody>
+          <a:bodyPr/>
+          <a:lstStyle/>
+          <a:p>
+            <a:pPr marL="0" indent="0">
+              <a:buNone/>
+            </a:pPr>
+            <a:r>
+              <a:rPr lang="en-US" b="1" dirty="0">
+                <a:latin typeface="Calibri" panose="020F0502020204030204" pitchFamily="34" charset="0"/>
+                <a:cs typeface="Calibri" panose="020F0502020204030204" pitchFamily="34" charset="0"/>
+              </a:rPr>
+              <a:t>Current Year</a:t>
+            </a:r>
+          </a:p>
+        </p:txBody>
+      </p:sp>
+      <p:sp>
+        <p:nvSpPr>
+          <p:cNvPr id="4" name="Content Placeholder 3">
+            <a:extLst>
+              <a:ext uri="{FF2B5EF4-FFF2-40B4-BE49-F238E27FC236}">
+                <a16:creationId xmlns:a16="http://schemas.microsoft.com/office/drawing/2014/main" id="{ACA6A89D-097D-4968-A07A-39A5B4F78A62}"/>
+              </a:ext>
+            </a:extLst>
+          </p:cNvPr>
+          <p:cNvSpPr>
+            <a:spLocks noGrp="1"/>
+          </p:cNvSpPr>
+          <p:nvPr>
+            <p:ph sz="half" idx="2"/>
+          </p:nvPr>
+        </p:nvSpPr>
+        <p:spPr>
+          <a:xfrm>
+            <a:off x="6642700" y="1825625"/>
+            <a:ext cx="1758142" cy="501939"/>
+          </a:xfrm>
+        </p:spPr>
+        <p:txBody>
+          <a:bodyPr/>
+          <a:lstStyle/>
+          <a:p>
+            <a:pPr marL="0" indent="0">
+              <a:buNone/>
+            </a:pPr>
+            <a:r>
+              <a:rPr lang="en-US" b="1" dirty="0">
+                <a:latin typeface="Calibri" panose="020F0502020204030204" pitchFamily="34" charset="0"/>
+                <a:cs typeface="Calibri" panose="020F0502020204030204" pitchFamily="34" charset="0"/>
+              </a:rPr>
+              <a:t>Next Year</a:t>
+            </a:r>
+          </a:p>
+        </p:txBody>
+      </p:sp>
+      <p:pic>
+        <p:nvPicPr>
+          <p:cNvPr id="6" name="Picture 5">
+            <a:extLst>
+              <a:ext uri="{FF2B5EF4-FFF2-40B4-BE49-F238E27FC236}">
+                <a16:creationId xmlns:a16="http://schemas.microsoft.com/office/drawing/2014/main" id="{5003D22E-8100-B5C6-8BB3-615C3D260AC9}"/>
+              </a:ext>
+            </a:extLst>
+          </p:cNvPr>
+          <p:cNvPicPr>
+            <a:picLocks noChangeAspect="1"/>
+          </p:cNvPicPr>
+          <p:nvPr/>
+        </p:nvPicPr>
+        <p:blipFill>
+          <a:blip r:embed="rId2"/>
+          <a:stretch>
+            <a:fillRect/>
+          </a:stretch>
+        </p:blipFill>
+        <p:spPr>
+          <a:xfrm>
+            <a:off x="850760" y="2327564"/>
+            <a:ext cx="5119910" cy="2854036"/>
           </a:xfrm>
           <a:prstGeom prst="rect">
             <a:avLst/>
           </a:prstGeom>
         </p:spPr>
-        <p:txBody>
-          <a:bodyPr vert="horz" lIns="91440" tIns="45720" rIns="91440" bIns="45720" rtlCol="0">
-            <a:normAutofit/>
-          </a:bodyPr>
-          <a:lstStyle>
-            <a:lvl1pPr marL="228600" indent="-228600" algn="l" defTabSz="914400" rtl="0" eaLnBrk="1" latinLnBrk="0" hangingPunct="1">
-              <a:lnSpc>
-                <a:spcPct val="90000"/>
-              </a:lnSpc>
-              <a:spcBef>
-                <a:spcPts val="1000"/>
-              </a:spcBef>
-              <a:buFont typeface="Arial"/>
-              <a:buChar char="•"/>
-              <a:defRPr sz="2800" kern="1200">
-                <a:solidFill>
-                  <a:srgbClr val="0070C0"/>
-                </a:solidFill>
-                <a:latin typeface="IBM Plex Mono Text" panose="020B0509050203000203" pitchFamily="49" charset="0"/>
-                <a:ea typeface="+mn-ea"/>
-                <a:cs typeface="+mn-cs"/>
-              </a:defRPr>
-            </a:lvl1pPr>
-            <a:lvl2pPr marL="685800" indent="-228600" algn="l" defTabSz="914400" rtl="0" eaLnBrk="1" latinLnBrk="0" hangingPunct="1">
-              <a:lnSpc>
-                <a:spcPct val="90000"/>
-              </a:lnSpc>
-              <a:spcBef>
-                <a:spcPts val="500"/>
-              </a:spcBef>
-              <a:buFont typeface="Arial"/>
-              <a:buChar char="•"/>
-              <a:defRPr sz="2400" kern="1200">
-                <a:solidFill>
-                  <a:srgbClr val="0070C0"/>
-                </a:solidFill>
-                <a:latin typeface="IBM Plex Mono Text" panose="020B0509050203000203" pitchFamily="49" charset="0"/>
-                <a:ea typeface="+mn-ea"/>
-                <a:cs typeface="+mn-cs"/>
-              </a:defRPr>
-            </a:lvl2pPr>
-            <a:lvl3pPr marL="1143000" indent="-228600" algn="l" defTabSz="914400" rtl="0" eaLnBrk="1" latinLnBrk="0" hangingPunct="1">
-              <a:lnSpc>
-                <a:spcPct val="90000"/>
-              </a:lnSpc>
-              <a:spcBef>
-                <a:spcPts val="500"/>
-              </a:spcBef>
-              <a:buFont typeface="Arial"/>
-              <a:buChar char="•"/>
-              <a:defRPr sz="2000" kern="1200">
-                <a:solidFill>
-                  <a:srgbClr val="0070C0"/>
-                </a:solidFill>
-                <a:latin typeface="IBM Plex Mono Text" panose="020B0509050203000203" pitchFamily="49" charset="0"/>
-                <a:ea typeface="+mn-ea"/>
-                <a:cs typeface="+mn-cs"/>
-              </a:defRPr>
-            </a:lvl3pPr>
-            <a:lvl4pPr marL="1600200" indent="-228600" algn="l" defTabSz="914400" rtl="0" eaLnBrk="1" latinLnBrk="0" hangingPunct="1">
-              <a:lnSpc>
-                <a:spcPct val="90000"/>
-              </a:lnSpc>
-              <a:spcBef>
-                <a:spcPts val="500"/>
-              </a:spcBef>
-              <a:buFont typeface="Arial"/>
-              <a:buChar char="•"/>
-              <a:defRPr sz="1800" kern="1200">
-                <a:solidFill>
-                  <a:srgbClr val="0070C0"/>
-                </a:solidFill>
-                <a:latin typeface="IBM Plex Mono Text" panose="020B0509050203000203" pitchFamily="49" charset="0"/>
-                <a:ea typeface="+mn-ea"/>
-                <a:cs typeface="+mn-cs"/>
-              </a:defRPr>
-            </a:lvl4pPr>
-            <a:lvl5pPr marL="2057400" indent="-228600" algn="l" defTabSz="914400" rtl="0" eaLnBrk="1" latinLnBrk="0" hangingPunct="1">
-              <a:lnSpc>
-                <a:spcPct val="90000"/>
-              </a:lnSpc>
-              <a:spcBef>
-                <a:spcPts val="500"/>
-              </a:spcBef>
-              <a:buFont typeface="Arial"/>
-              <a:buChar char="•"/>
-              <a:defRPr sz="1800" kern="1200">
-                <a:solidFill>
-                  <a:srgbClr val="0070C0"/>
-                </a:solidFill>
-                <a:latin typeface="IBM Plex Mono Text" panose="020B0509050203000203" pitchFamily="49" charset="0"/>
-                <a:ea typeface="+mn-ea"/>
-                <a:cs typeface="+mn-cs"/>
-              </a:defRPr>
-            </a:lvl5pPr>
-            <a:lvl6pPr marL="2514600" indent="-228600" algn="l" defTabSz="914400" rtl="0" eaLnBrk="1" latinLnBrk="0" hangingPunct="1">
-              <a:lnSpc>
-                <a:spcPct val="90000"/>
-              </a:lnSpc>
-              <a:spcBef>
-                <a:spcPts val="500"/>
-              </a:spcBef>
-              <a:buFont typeface="Arial"/>
-              <a:buChar char="•"/>
-              <a:defRPr sz="1800" kern="1200">
-                <a:solidFill>
-                  <a:schemeClr val="tx1"/>
-                </a:solidFill>
-                <a:latin typeface="+mn-lt"/>
-                <a:ea typeface="+mn-ea"/>
-                <a:cs typeface="+mn-cs"/>
-              </a:defRPr>
-            </a:lvl6pPr>
-            <a:lvl7pPr marL="2971800" indent="-228600" algn="l" defTabSz="914400" rtl="0" eaLnBrk="1" latinLnBrk="0" hangingPunct="1">
-              <a:lnSpc>
-                <a:spcPct val="90000"/>
-              </a:lnSpc>
-              <a:spcBef>
-                <a:spcPts val="500"/>
-              </a:spcBef>
-              <a:buFont typeface="Arial"/>
-              <a:buChar char="•"/>
-              <a:defRPr sz="1800" kern="1200">
-                <a:solidFill>
-                  <a:schemeClr val="tx1"/>
-                </a:solidFill>
-                <a:latin typeface="+mn-lt"/>
-                <a:ea typeface="+mn-ea"/>
-                <a:cs typeface="+mn-cs"/>
-              </a:defRPr>
-            </a:lvl7pPr>
-            <a:lvl8pPr marL="3429000" indent="-228600" algn="l" defTabSz="914400" rtl="0" eaLnBrk="1" latinLnBrk="0" hangingPunct="1">
-              <a:lnSpc>
-                <a:spcPct val="90000"/>
-              </a:lnSpc>
-              <a:spcBef>
-                <a:spcPts val="500"/>
-              </a:spcBef>
-              <a:buFont typeface="Arial"/>
-              <a:buChar char="•"/>
-              <a:defRPr sz="1800" kern="1200">
-                <a:solidFill>
-                  <a:schemeClr val="tx1"/>
-                </a:solidFill>
-                <a:latin typeface="+mn-lt"/>
-                <a:ea typeface="+mn-ea"/>
-                <a:cs typeface="+mn-cs"/>
-              </a:defRPr>
-            </a:lvl8pPr>
-            <a:lvl9pPr marL="3886200" indent="-228600" algn="l" defTabSz="914400" rtl="0" eaLnBrk="1" latinLnBrk="0" hangingPunct="1">
-              <a:lnSpc>
-                <a:spcPct val="90000"/>
-              </a:lnSpc>
-              <a:spcBef>
-                <a:spcPts val="500"/>
-              </a:spcBef>
-              <a:buFont typeface="Arial"/>
-              <a:buChar char="•"/>
-              <a:defRPr sz="1800" kern="1200">
-                <a:solidFill>
-                  <a:schemeClr val="tx1"/>
-                </a:solidFill>
-                <a:latin typeface="+mn-lt"/>
-                <a:ea typeface="+mn-ea"/>
-                <a:cs typeface="+mn-cs"/>
-              </a:defRPr>
-            </a:lvl9pPr>
-          </a:lstStyle>
-          <a:p>
-            <a:pPr marL="0" indent="0">
-              <a:buNone/>
-            </a:pPr>
-            <a:r>
-              <a:rPr lang="en-US" sz="2200" dirty="0"/>
-              <a:t>&lt; Bar chart of top 5 programming languages for the next year goes here.&gt;</a:t>
-            </a:r>
-          </a:p>
-        </p:txBody>
-      </p:sp>
+      </p:pic>
+      <p:pic>
+        <p:nvPicPr>
+          <p:cNvPr id="10" name="Picture 9">
+            <a:extLst>
+              <a:ext uri="{FF2B5EF4-FFF2-40B4-BE49-F238E27FC236}">
+                <a16:creationId xmlns:a16="http://schemas.microsoft.com/office/drawing/2014/main" id="{FA0641F2-A8E8-D4C6-BA4E-47B993BD6FDD}"/>
+              </a:ext>
+            </a:extLst>
+          </p:cNvPr>
+          <p:cNvPicPr>
+            <a:picLocks noChangeAspect="1"/>
+          </p:cNvPicPr>
+          <p:nvPr/>
+        </p:nvPicPr>
+        <p:blipFill>
+          <a:blip r:embed="rId3"/>
+          <a:stretch>
+            <a:fillRect/>
+          </a:stretch>
+        </p:blipFill>
+        <p:spPr>
+          <a:xfrm>
+            <a:off x="6390542" y="2326787"/>
+            <a:ext cx="5119910" cy="2856004"/>
+          </a:xfrm>
+          <a:prstGeom prst="rect">
+            <a:avLst/>
+          </a:prstGeom>
+        </p:spPr>
+      </p:pic>
     </p:spTree>
     <p:extLst>
       <p:ext uri="{BB962C8B-B14F-4D97-AF65-F5344CB8AC3E}">
@@ -9789,7 +10688,10 @@
           <a:lstStyle/>
           <a:p>
             <a:r>
-              <a:rPr lang="en-US" sz="2800" dirty="0"/>
+              <a:rPr lang="en-US" sz="2800" b="1" dirty="0">
+                <a:latin typeface="Calibri" panose="020F0502020204030204" pitchFamily="34" charset="0"/>
+                <a:cs typeface="Calibri" panose="020F0502020204030204" pitchFamily="34" charset="0"/>
+              </a:rPr>
               <a:t>PROGRAMMING LANGUAGE TRENDS - FINDINGS &amp; IMPLICATIONS</a:t>
             </a:r>
           </a:p>
@@ -9813,44 +10715,85 @@
         </p:nvSpPr>
         <p:spPr>
           <a:xfrm>
-            <a:off x="813816" y="1825625"/>
-            <a:ext cx="5181600" cy="4351338"/>
+            <a:off x="838200" y="1497379"/>
+            <a:ext cx="5334000" cy="4351338"/>
           </a:xfrm>
+          <a:solidFill>
+            <a:schemeClr val="accent2">
+              <a:lumMod val="20000"/>
+              <a:lumOff val="80000"/>
+            </a:schemeClr>
+          </a:solidFill>
         </p:spPr>
         <p:txBody>
-          <a:bodyPr/>
+          <a:bodyPr>
+            <a:normAutofit fontScale="85000" lnSpcReduction="20000"/>
+          </a:bodyPr>
           <a:lstStyle/>
           <a:p>
             <a:pPr marL="0" indent="0">
               <a:buNone/>
             </a:pPr>
             <a:r>
-              <a:rPr lang="en-US" dirty="0"/>
-              <a:t>Findings</a:t>
+              <a:rPr lang="en-US" sz="3800" u="sng" dirty="0">
+                <a:latin typeface="Calibri" panose="020F0502020204030204" pitchFamily="34" charset="0"/>
+                <a:cs typeface="Calibri" panose="020F0502020204030204" pitchFamily="34" charset="0"/>
+              </a:rPr>
+              <a:t>Findings:</a:t>
             </a:r>
           </a:p>
           <a:p>
             <a:pPr marL="0" indent="0">
               <a:buNone/>
             </a:pPr>
-            <a:endParaRPr lang="en-US" dirty="0"/>
-          </a:p>
-          <a:p>
-            <a:r>
-              <a:rPr lang="en-US" dirty="0"/>
-              <a:t>Finding 1</a:t>
-            </a:r>
-          </a:p>
-          <a:p>
-            <a:r>
-              <a:rPr lang="en-US" dirty="0"/>
-              <a:t>Finding 2</a:t>
-            </a:r>
-          </a:p>
-          <a:p>
-            <a:r>
-              <a:rPr lang="en-US" dirty="0"/>
-              <a:t>Finding 3</a:t>
+            <a:endParaRPr lang="en-US" dirty="0">
+              <a:latin typeface="Calibri" panose="020F0502020204030204" pitchFamily="34" charset="0"/>
+              <a:cs typeface="Calibri" panose="020F0502020204030204" pitchFamily="34" charset="0"/>
+            </a:endParaRPr>
+          </a:p>
+          <a:p>
+            <a:r>
+              <a:rPr lang="en-US" dirty="0">
+                <a:latin typeface="Calibri" panose="020F0502020204030204" pitchFamily="34" charset="0"/>
+                <a:cs typeface="Calibri" panose="020F0502020204030204" pitchFamily="34" charset="0"/>
+              </a:rPr>
+              <a:t>JavaScript is the most popular language for software development today.</a:t>
+            </a:r>
+          </a:p>
+          <a:p>
+            <a:r>
+              <a:rPr lang="en-US" dirty="0">
+                <a:latin typeface="Calibri" panose="020F0502020204030204" pitchFamily="34" charset="0"/>
+                <a:cs typeface="Calibri" panose="020F0502020204030204" pitchFamily="34" charset="0"/>
+              </a:rPr>
+              <a:t>HTML/CSS remains one of the top front-end languages</a:t>
+            </a:r>
+          </a:p>
+          <a:p>
+            <a:r>
+              <a:rPr lang="en-US" dirty="0">
+                <a:latin typeface="Calibri" panose="020F0502020204030204" pitchFamily="34" charset="0"/>
+                <a:cs typeface="Calibri" panose="020F0502020204030204" pitchFamily="34" charset="0"/>
+              </a:rPr>
+              <a:t>SQL stays popular as a main language to manage relational databases. </a:t>
+            </a:r>
+          </a:p>
+          <a:p>
+            <a:r>
+              <a:rPr lang="en-US" dirty="0">
+                <a:latin typeface="Calibri" panose="020F0502020204030204" pitchFamily="34" charset="0"/>
+                <a:cs typeface="Calibri" panose="020F0502020204030204" pitchFamily="34" charset="0"/>
+              </a:rPr>
+              <a:t>PowerShell/Bash is among the top 5 languages used for system administration.</a:t>
+            </a:r>
+          </a:p>
+          <a:p>
+            <a:r>
+              <a:rPr lang="en-US" dirty="0">
+                <a:latin typeface="Calibri" panose="020F0502020204030204" pitchFamily="34" charset="0"/>
+                <a:cs typeface="Calibri" panose="020F0502020204030204" pitchFamily="34" charset="0"/>
+              </a:rPr>
+              <a:t>Python keeps climbing to the top. </a:t>
             </a:r>
           </a:p>
         </p:txBody>
@@ -9871,41 +10814,78 @@
             <p:ph sz="half" idx="2"/>
           </p:nvPr>
         </p:nvSpPr>
-        <p:spPr/>
+        <p:spPr>
+          <a:xfrm>
+            <a:off x="6330463" y="1497379"/>
+            <a:ext cx="5568460" cy="4351338"/>
+          </a:xfrm>
+          <a:solidFill>
+            <a:schemeClr val="accent3">
+              <a:lumMod val="20000"/>
+              <a:lumOff val="80000"/>
+            </a:schemeClr>
+          </a:solidFill>
+        </p:spPr>
         <p:txBody>
-          <a:bodyPr/>
+          <a:bodyPr>
+            <a:normAutofit fontScale="85000" lnSpcReduction="20000"/>
+          </a:bodyPr>
           <a:lstStyle/>
           <a:p>
             <a:pPr marL="0" indent="0">
               <a:buNone/>
             </a:pPr>
             <a:r>
-              <a:rPr lang="en-US" dirty="0"/>
-              <a:t>Implications</a:t>
+              <a:rPr lang="en-US" sz="3800" u="sng" dirty="0">
+                <a:latin typeface="Calibri" panose="020F0502020204030204" pitchFamily="34" charset="0"/>
+                <a:cs typeface="Calibri" panose="020F0502020204030204" pitchFamily="34" charset="0"/>
+              </a:rPr>
+              <a:t>Implications:</a:t>
             </a:r>
           </a:p>
           <a:p>
             <a:pPr marL="0" indent="0">
               <a:buNone/>
             </a:pPr>
-            <a:endParaRPr lang="en-US" dirty="0"/>
-          </a:p>
-          <a:p>
-            <a:r>
-              <a:rPr lang="en-US" dirty="0"/>
-              <a:t>Implication 1</a:t>
-            </a:r>
-          </a:p>
-          <a:p>
-            <a:r>
-              <a:rPr lang="en-US" dirty="0"/>
-              <a:t>Implication 2</a:t>
-            </a:r>
-          </a:p>
-          <a:p>
-            <a:r>
-              <a:rPr lang="en-US" dirty="0"/>
-              <a:t>Implication 3</a:t>
+            <a:endParaRPr lang="en-US" dirty="0">
+              <a:latin typeface="Calibri" panose="020F0502020204030204" pitchFamily="34" charset="0"/>
+              <a:cs typeface="Calibri" panose="020F0502020204030204" pitchFamily="34" charset="0"/>
+            </a:endParaRPr>
+          </a:p>
+          <a:p>
+            <a:r>
+              <a:rPr lang="en-US" dirty="0">
+                <a:latin typeface="Calibri" panose="020F0502020204030204" pitchFamily="34" charset="0"/>
+                <a:cs typeface="Calibri" panose="020F0502020204030204" pitchFamily="34" charset="0"/>
+              </a:rPr>
+              <a:t>JavaScript and HTML/CSS will continue to dominate in web development.  </a:t>
+            </a:r>
+          </a:p>
+          <a:p>
+            <a:r>
+              <a:rPr lang="en-US" dirty="0">
+                <a:latin typeface="Calibri" panose="020F0502020204030204" pitchFamily="34" charset="0"/>
+                <a:cs typeface="Calibri" panose="020F0502020204030204" pitchFamily="34" charset="0"/>
+              </a:rPr>
+              <a:t>The interest in open-source TypeScript has increased as larger applications are required to be developed and maintained. </a:t>
+            </a:r>
+          </a:p>
+          <a:p>
+            <a:r>
+              <a:rPr lang="en-US" dirty="0">
+                <a:latin typeface="Calibri" panose="020F0502020204030204" pitchFamily="34" charset="0"/>
+                <a:cs typeface="Calibri" panose="020F0502020204030204" pitchFamily="34" charset="0"/>
+              </a:rPr>
+              <a:t>SQL will remain the main relational DB querying language for the time being. </a:t>
+            </a:r>
+          </a:p>
+          <a:p>
+            <a:r>
+              <a:rPr lang="en-US" dirty="0">
+                <a:latin typeface="Calibri" panose="020F0502020204030204" pitchFamily="34" charset="0"/>
+                <a:cs typeface="Calibri" panose="020F0502020204030204" pitchFamily="34" charset="0"/>
+              </a:rPr>
+              <a:t>Python’s popularity keeps growing with the recent extensive development of AI, ML, and neural network applications.</a:t>
             </a:r>
           </a:p>
         </p:txBody>
@@ -9967,7 +10947,10 @@
           <a:lstStyle/>
           <a:p>
             <a:r>
-              <a:rPr lang="en-US" dirty="0"/>
+              <a:rPr lang="en-US" b="1" dirty="0">
+                <a:latin typeface="Calibri" panose="020F0502020204030204" pitchFamily="34" charset="0"/>
+                <a:cs typeface="Calibri" panose="020F0502020204030204" pitchFamily="34" charset="0"/>
+              </a:rPr>
               <a:t>DATABASE TRENDS</a:t>
             </a:r>
           </a:p>
@@ -10003,7 +10986,10 @@
               <a:buNone/>
             </a:pPr>
             <a:r>
-              <a:rPr lang="en-US" dirty="0"/>
+              <a:rPr lang="en-US" b="1" dirty="0">
+                <a:latin typeface="Calibri" panose="020F0502020204030204" pitchFamily="34" charset="0"/>
+                <a:cs typeface="Calibri" panose="020F0502020204030204" pitchFamily="34" charset="0"/>
+              </a:rPr>
               <a:t>Current Year</a:t>
             </a:r>
           </a:p>
@@ -10039,416 +11025,75 @@
               <a:buNone/>
             </a:pPr>
             <a:r>
-              <a:rPr lang="en-US" dirty="0"/>
+              <a:rPr lang="en-US" b="1" dirty="0">
+                <a:latin typeface="Calibri" panose="020F0502020204030204" pitchFamily="34" charset="0"/>
+                <a:cs typeface="Calibri" panose="020F0502020204030204" pitchFamily="34" charset="0"/>
+              </a:rPr>
               <a:t>Next Year</a:t>
             </a:r>
           </a:p>
         </p:txBody>
       </p:sp>
-      <p:sp>
-        <p:nvSpPr>
-          <p:cNvPr id="8" name="Content Placeholder 2">
+      <p:pic>
+        <p:nvPicPr>
+          <p:cNvPr id="9" name="Picture 8">
             <a:extLst>
               <a:ext uri="{FF2B5EF4-FFF2-40B4-BE49-F238E27FC236}">
-                <a16:creationId xmlns:a16="http://schemas.microsoft.com/office/drawing/2014/main" id="{D13C2F43-A283-4FD4-9C0D-BFF93C50AC01}"/>
+                <a16:creationId xmlns:a16="http://schemas.microsoft.com/office/drawing/2014/main" id="{461EF1E7-B60C-817B-1C3E-E49D967FD756}"/>
               </a:ext>
             </a:extLst>
           </p:cNvPr>
-          <p:cNvSpPr txBox="1">
-            <a:spLocks/>
-          </p:cNvSpPr>
+          <p:cNvPicPr>
+            <a:picLocks noChangeAspect="1"/>
+          </p:cNvPicPr>
           <p:nvPr/>
-        </p:nvSpPr>
+        </p:nvPicPr>
+        <p:blipFill>
+          <a:blip r:embed="rId2"/>
+          <a:stretch>
+            <a:fillRect/>
+          </a:stretch>
+        </p:blipFill>
         <p:spPr>
           <a:xfrm>
-            <a:off x="838199" y="2506661"/>
-            <a:ext cx="4614949" cy="3670301"/>
+            <a:off x="6284461" y="2299104"/>
+            <a:ext cx="5301271" cy="2848301"/>
           </a:xfrm>
           <a:prstGeom prst="rect">
             <a:avLst/>
           </a:prstGeom>
         </p:spPr>
-        <p:txBody>
-          <a:bodyPr vert="horz" lIns="91440" tIns="45720" rIns="91440" bIns="45720" rtlCol="0">
-            <a:normAutofit/>
-          </a:bodyPr>
-          <a:lstStyle>
-            <a:lvl1pPr marL="228600" indent="-228600" algn="l" defTabSz="914400" rtl="0" eaLnBrk="1" latinLnBrk="0" hangingPunct="1">
-              <a:lnSpc>
-                <a:spcPct val="90000"/>
-              </a:lnSpc>
-              <a:spcBef>
-                <a:spcPts val="1000"/>
-              </a:spcBef>
-              <a:buFont typeface="Arial"/>
-              <a:buChar char="•"/>
-              <a:defRPr sz="2800" kern="1200">
-                <a:solidFill>
-                  <a:srgbClr val="0070C0"/>
-                </a:solidFill>
-                <a:latin typeface="IBM Plex Mono Text" panose="020B0509050203000203" pitchFamily="49" charset="0"/>
-                <a:ea typeface="+mn-ea"/>
-                <a:cs typeface="+mn-cs"/>
-              </a:defRPr>
-            </a:lvl1pPr>
-            <a:lvl2pPr marL="685800" indent="-228600" algn="l" defTabSz="914400" rtl="0" eaLnBrk="1" latinLnBrk="0" hangingPunct="1">
-              <a:lnSpc>
-                <a:spcPct val="90000"/>
-              </a:lnSpc>
-              <a:spcBef>
-                <a:spcPts val="500"/>
-              </a:spcBef>
-              <a:buFont typeface="Arial"/>
-              <a:buChar char="•"/>
-              <a:defRPr sz="2400" kern="1200">
-                <a:solidFill>
-                  <a:srgbClr val="0070C0"/>
-                </a:solidFill>
-                <a:latin typeface="IBM Plex Mono Text" panose="020B0509050203000203" pitchFamily="49" charset="0"/>
-                <a:ea typeface="+mn-ea"/>
-                <a:cs typeface="+mn-cs"/>
-              </a:defRPr>
-            </a:lvl2pPr>
-            <a:lvl3pPr marL="1143000" indent="-228600" algn="l" defTabSz="914400" rtl="0" eaLnBrk="1" latinLnBrk="0" hangingPunct="1">
-              <a:lnSpc>
-                <a:spcPct val="90000"/>
-              </a:lnSpc>
-              <a:spcBef>
-                <a:spcPts val="500"/>
-              </a:spcBef>
-              <a:buFont typeface="Arial"/>
-              <a:buChar char="•"/>
-              <a:defRPr sz="2000" kern="1200">
-                <a:solidFill>
-                  <a:srgbClr val="0070C0"/>
-                </a:solidFill>
-                <a:latin typeface="IBM Plex Mono Text" panose="020B0509050203000203" pitchFamily="49" charset="0"/>
-                <a:ea typeface="+mn-ea"/>
-                <a:cs typeface="+mn-cs"/>
-              </a:defRPr>
-            </a:lvl3pPr>
-            <a:lvl4pPr marL="1600200" indent="-228600" algn="l" defTabSz="914400" rtl="0" eaLnBrk="1" latinLnBrk="0" hangingPunct="1">
-              <a:lnSpc>
-                <a:spcPct val="90000"/>
-              </a:lnSpc>
-              <a:spcBef>
-                <a:spcPts val="500"/>
-              </a:spcBef>
-              <a:buFont typeface="Arial"/>
-              <a:buChar char="•"/>
-              <a:defRPr sz="1800" kern="1200">
-                <a:solidFill>
-                  <a:srgbClr val="0070C0"/>
-                </a:solidFill>
-                <a:latin typeface="IBM Plex Mono Text" panose="020B0509050203000203" pitchFamily="49" charset="0"/>
-                <a:ea typeface="+mn-ea"/>
-                <a:cs typeface="+mn-cs"/>
-              </a:defRPr>
-            </a:lvl4pPr>
-            <a:lvl5pPr marL="2057400" indent="-228600" algn="l" defTabSz="914400" rtl="0" eaLnBrk="1" latinLnBrk="0" hangingPunct="1">
-              <a:lnSpc>
-                <a:spcPct val="90000"/>
-              </a:lnSpc>
-              <a:spcBef>
-                <a:spcPts val="500"/>
-              </a:spcBef>
-              <a:buFont typeface="Arial"/>
-              <a:buChar char="•"/>
-              <a:defRPr sz="1800" kern="1200">
-                <a:solidFill>
-                  <a:srgbClr val="0070C0"/>
-                </a:solidFill>
-                <a:latin typeface="IBM Plex Mono Text" panose="020B0509050203000203" pitchFamily="49" charset="0"/>
-                <a:ea typeface="+mn-ea"/>
-                <a:cs typeface="+mn-cs"/>
-              </a:defRPr>
-            </a:lvl5pPr>
-            <a:lvl6pPr marL="2514600" indent="-228600" algn="l" defTabSz="914400" rtl="0" eaLnBrk="1" latinLnBrk="0" hangingPunct="1">
-              <a:lnSpc>
-                <a:spcPct val="90000"/>
-              </a:lnSpc>
-              <a:spcBef>
-                <a:spcPts val="500"/>
-              </a:spcBef>
-              <a:buFont typeface="Arial"/>
-              <a:buChar char="•"/>
-              <a:defRPr sz="1800" kern="1200">
-                <a:solidFill>
-                  <a:schemeClr val="tx1"/>
-                </a:solidFill>
-                <a:latin typeface="+mn-lt"/>
-                <a:ea typeface="+mn-ea"/>
-                <a:cs typeface="+mn-cs"/>
-              </a:defRPr>
-            </a:lvl6pPr>
-            <a:lvl7pPr marL="2971800" indent="-228600" algn="l" defTabSz="914400" rtl="0" eaLnBrk="1" latinLnBrk="0" hangingPunct="1">
-              <a:lnSpc>
-                <a:spcPct val="90000"/>
-              </a:lnSpc>
-              <a:spcBef>
-                <a:spcPts val="500"/>
-              </a:spcBef>
-              <a:buFont typeface="Arial"/>
-              <a:buChar char="•"/>
-              <a:defRPr sz="1800" kern="1200">
-                <a:solidFill>
-                  <a:schemeClr val="tx1"/>
-                </a:solidFill>
-                <a:latin typeface="+mn-lt"/>
-                <a:ea typeface="+mn-ea"/>
-                <a:cs typeface="+mn-cs"/>
-              </a:defRPr>
-            </a:lvl7pPr>
-            <a:lvl8pPr marL="3429000" indent="-228600" algn="l" defTabSz="914400" rtl="0" eaLnBrk="1" latinLnBrk="0" hangingPunct="1">
-              <a:lnSpc>
-                <a:spcPct val="90000"/>
-              </a:lnSpc>
-              <a:spcBef>
-                <a:spcPts val="500"/>
-              </a:spcBef>
-              <a:buFont typeface="Arial"/>
-              <a:buChar char="•"/>
-              <a:defRPr sz="1800" kern="1200">
-                <a:solidFill>
-                  <a:schemeClr val="tx1"/>
-                </a:solidFill>
-                <a:latin typeface="+mn-lt"/>
-                <a:ea typeface="+mn-ea"/>
-                <a:cs typeface="+mn-cs"/>
-              </a:defRPr>
-            </a:lvl8pPr>
-            <a:lvl9pPr marL="3886200" indent="-228600" algn="l" defTabSz="914400" rtl="0" eaLnBrk="1" latinLnBrk="0" hangingPunct="1">
-              <a:lnSpc>
-                <a:spcPct val="90000"/>
-              </a:lnSpc>
-              <a:spcBef>
-                <a:spcPts val="500"/>
-              </a:spcBef>
-              <a:buFont typeface="Arial"/>
-              <a:buChar char="•"/>
-              <a:defRPr sz="1800" kern="1200">
-                <a:solidFill>
-                  <a:schemeClr val="tx1"/>
-                </a:solidFill>
-                <a:latin typeface="+mn-lt"/>
-                <a:ea typeface="+mn-ea"/>
-                <a:cs typeface="+mn-cs"/>
-              </a:defRPr>
-            </a:lvl9pPr>
-          </a:lstStyle>
-          <a:p>
-            <a:pPr marL="0" indent="0">
-              <a:buNone/>
-            </a:pPr>
-            <a:r>
-              <a:rPr lang="en-US" sz="2200" dirty="0"/>
-              <a:t>&lt; Bar chart of top 5 databases for the current year goes here &gt;</a:t>
-            </a:r>
-          </a:p>
-        </p:txBody>
-      </p:sp>
-      <p:sp>
-        <p:nvSpPr>
-          <p:cNvPr id="10" name="Content Placeholder 2">
+      </p:pic>
+      <p:pic>
+        <p:nvPicPr>
+          <p:cNvPr id="10" name="Picture 9">
             <a:extLst>
               <a:ext uri="{FF2B5EF4-FFF2-40B4-BE49-F238E27FC236}">
-                <a16:creationId xmlns:a16="http://schemas.microsoft.com/office/drawing/2014/main" id="{AE706D50-7D14-4DB8-BE17-5497AA1715EE}"/>
+                <a16:creationId xmlns:a16="http://schemas.microsoft.com/office/drawing/2014/main" id="{6A5D3F0A-779B-6FCF-CECF-7495AE1A17A4}"/>
               </a:ext>
             </a:extLst>
           </p:cNvPr>
-          <p:cNvSpPr txBox="1">
-            <a:spLocks/>
-          </p:cNvSpPr>
+          <p:cNvPicPr>
+            <a:picLocks noChangeAspect="1"/>
+          </p:cNvPicPr>
           <p:nvPr/>
-        </p:nvSpPr>
+        </p:nvPicPr>
+        <p:blipFill>
+          <a:blip r:embed="rId3"/>
+          <a:stretch>
+            <a:fillRect/>
+          </a:stretch>
+        </p:blipFill>
         <p:spPr>
           <a:xfrm>
-            <a:off x="6172200" y="2506661"/>
-            <a:ext cx="4614949" cy="3670301"/>
+            <a:off x="813816" y="2299104"/>
+            <a:ext cx="5205985" cy="2848301"/>
           </a:xfrm>
           <a:prstGeom prst="rect">
             <a:avLst/>
           </a:prstGeom>
         </p:spPr>
-        <p:txBody>
-          <a:bodyPr vert="horz" lIns="91440" tIns="45720" rIns="91440" bIns="45720" rtlCol="0">
-            <a:normAutofit/>
-          </a:bodyPr>
-          <a:lstStyle>
-            <a:lvl1pPr marL="228600" indent="-228600" algn="l" defTabSz="914400" rtl="0" eaLnBrk="1" latinLnBrk="0" hangingPunct="1">
-              <a:lnSpc>
-                <a:spcPct val="90000"/>
-              </a:lnSpc>
-              <a:spcBef>
-                <a:spcPts val="1000"/>
-              </a:spcBef>
-              <a:buFont typeface="Arial"/>
-              <a:buChar char="•"/>
-              <a:defRPr sz="2800" kern="1200">
-                <a:solidFill>
-                  <a:srgbClr val="0070C0"/>
-                </a:solidFill>
-                <a:latin typeface="IBM Plex Mono Text" panose="020B0509050203000203" pitchFamily="49" charset="0"/>
-                <a:ea typeface="+mn-ea"/>
-                <a:cs typeface="+mn-cs"/>
-              </a:defRPr>
-            </a:lvl1pPr>
-            <a:lvl2pPr marL="685800" indent="-228600" algn="l" defTabSz="914400" rtl="0" eaLnBrk="1" latinLnBrk="0" hangingPunct="1">
-              <a:lnSpc>
-                <a:spcPct val="90000"/>
-              </a:lnSpc>
-              <a:spcBef>
-                <a:spcPts val="500"/>
-              </a:spcBef>
-              <a:buFont typeface="Arial"/>
-              <a:buChar char="•"/>
-              <a:defRPr sz="2400" kern="1200">
-                <a:solidFill>
-                  <a:srgbClr val="0070C0"/>
-                </a:solidFill>
-                <a:latin typeface="IBM Plex Mono Text" panose="020B0509050203000203" pitchFamily="49" charset="0"/>
-                <a:ea typeface="+mn-ea"/>
-                <a:cs typeface="+mn-cs"/>
-              </a:defRPr>
-            </a:lvl2pPr>
-            <a:lvl3pPr marL="1143000" indent="-228600" algn="l" defTabSz="914400" rtl="0" eaLnBrk="1" latinLnBrk="0" hangingPunct="1">
-              <a:lnSpc>
-                <a:spcPct val="90000"/>
-              </a:lnSpc>
-              <a:spcBef>
-                <a:spcPts val="500"/>
-              </a:spcBef>
-              <a:buFont typeface="Arial"/>
-              <a:buChar char="•"/>
-              <a:defRPr sz="2000" kern="1200">
-                <a:solidFill>
-                  <a:srgbClr val="0070C0"/>
-                </a:solidFill>
-                <a:latin typeface="IBM Plex Mono Text" panose="020B0509050203000203" pitchFamily="49" charset="0"/>
-                <a:ea typeface="+mn-ea"/>
-                <a:cs typeface="+mn-cs"/>
-              </a:defRPr>
-            </a:lvl3pPr>
-            <a:lvl4pPr marL="1600200" indent="-228600" algn="l" defTabSz="914400" rtl="0" eaLnBrk="1" latinLnBrk="0" hangingPunct="1">
-              <a:lnSpc>
-                <a:spcPct val="90000"/>
-              </a:lnSpc>
-              <a:spcBef>
-                <a:spcPts val="500"/>
-              </a:spcBef>
-              <a:buFont typeface="Arial"/>
-              <a:buChar char="•"/>
-              <a:defRPr sz="1800" kern="1200">
-                <a:solidFill>
-                  <a:srgbClr val="0070C0"/>
-                </a:solidFill>
-                <a:latin typeface="IBM Plex Mono Text" panose="020B0509050203000203" pitchFamily="49" charset="0"/>
-                <a:ea typeface="+mn-ea"/>
-                <a:cs typeface="+mn-cs"/>
-              </a:defRPr>
-            </a:lvl4pPr>
-            <a:lvl5pPr marL="2057400" indent="-228600" algn="l" defTabSz="914400" rtl="0" eaLnBrk="1" latinLnBrk="0" hangingPunct="1">
-              <a:lnSpc>
-                <a:spcPct val="90000"/>
-              </a:lnSpc>
-              <a:spcBef>
-                <a:spcPts val="500"/>
-              </a:spcBef>
-              <a:buFont typeface="Arial"/>
-              <a:buChar char="•"/>
-              <a:defRPr sz="1800" kern="1200">
-                <a:solidFill>
-                  <a:srgbClr val="0070C0"/>
-                </a:solidFill>
-                <a:latin typeface="IBM Plex Mono Text" panose="020B0509050203000203" pitchFamily="49" charset="0"/>
-                <a:ea typeface="+mn-ea"/>
-                <a:cs typeface="+mn-cs"/>
-              </a:defRPr>
-            </a:lvl5pPr>
-            <a:lvl6pPr marL="2514600" indent="-228600" algn="l" defTabSz="914400" rtl="0" eaLnBrk="1" latinLnBrk="0" hangingPunct="1">
-              <a:lnSpc>
-                <a:spcPct val="90000"/>
-              </a:lnSpc>
-              <a:spcBef>
-                <a:spcPts val="500"/>
-              </a:spcBef>
-              <a:buFont typeface="Arial"/>
-              <a:buChar char="•"/>
-              <a:defRPr sz="1800" kern="1200">
-                <a:solidFill>
-                  <a:schemeClr val="tx1"/>
-                </a:solidFill>
-                <a:latin typeface="+mn-lt"/>
-                <a:ea typeface="+mn-ea"/>
-                <a:cs typeface="+mn-cs"/>
-              </a:defRPr>
-            </a:lvl6pPr>
-            <a:lvl7pPr marL="2971800" indent="-228600" algn="l" defTabSz="914400" rtl="0" eaLnBrk="1" latinLnBrk="0" hangingPunct="1">
-              <a:lnSpc>
-                <a:spcPct val="90000"/>
-              </a:lnSpc>
-              <a:spcBef>
-                <a:spcPts val="500"/>
-              </a:spcBef>
-              <a:buFont typeface="Arial"/>
-              <a:buChar char="•"/>
-              <a:defRPr sz="1800" kern="1200">
-                <a:solidFill>
-                  <a:schemeClr val="tx1"/>
-                </a:solidFill>
-                <a:latin typeface="+mn-lt"/>
-                <a:ea typeface="+mn-ea"/>
-                <a:cs typeface="+mn-cs"/>
-              </a:defRPr>
-            </a:lvl7pPr>
-            <a:lvl8pPr marL="3429000" indent="-228600" algn="l" defTabSz="914400" rtl="0" eaLnBrk="1" latinLnBrk="0" hangingPunct="1">
-              <a:lnSpc>
-                <a:spcPct val="90000"/>
-              </a:lnSpc>
-              <a:spcBef>
-                <a:spcPts val="500"/>
-              </a:spcBef>
-              <a:buFont typeface="Arial"/>
-              <a:buChar char="•"/>
-              <a:defRPr sz="1800" kern="1200">
-                <a:solidFill>
-                  <a:schemeClr val="tx1"/>
-                </a:solidFill>
-                <a:latin typeface="+mn-lt"/>
-                <a:ea typeface="+mn-ea"/>
-                <a:cs typeface="+mn-cs"/>
-              </a:defRPr>
-            </a:lvl8pPr>
-            <a:lvl9pPr marL="3886200" indent="-228600" algn="l" defTabSz="914400" rtl="0" eaLnBrk="1" latinLnBrk="0" hangingPunct="1">
-              <a:lnSpc>
-                <a:spcPct val="90000"/>
-              </a:lnSpc>
-              <a:spcBef>
-                <a:spcPts val="500"/>
-              </a:spcBef>
-              <a:buFont typeface="Arial"/>
-              <a:buChar char="•"/>
-              <a:defRPr sz="1800" kern="1200">
-                <a:solidFill>
-                  <a:schemeClr val="tx1"/>
-                </a:solidFill>
-                <a:latin typeface="+mn-lt"/>
-                <a:ea typeface="+mn-ea"/>
-                <a:cs typeface="+mn-cs"/>
-              </a:defRPr>
-            </a:lvl9pPr>
-          </a:lstStyle>
-          <a:p>
-            <a:pPr marL="0" indent="0">
-              <a:buNone/>
-            </a:pPr>
-            <a:r>
-              <a:rPr lang="en-US" sz="2200" dirty="0"/>
-              <a:t>&lt; Bar chart of top 5 databases for the next year goes here.&gt;</a:t>
-            </a:r>
-          </a:p>
-        </p:txBody>
-      </p:sp>
+      </p:pic>
     </p:spTree>
     <p:extLst>
       <p:ext uri="{BB962C8B-B14F-4D97-AF65-F5344CB8AC3E}">
